--- a/Nov6_2018_Computational_tools_unmasking_TEs/transposable_elements.pptx
+++ b/Nov6_2018_Computational_tools_unmasking_TEs/transposable_elements.pptx
@@ -4,12 +4,26 @@
   <p:sldMasterIdLst>
     <p:sldMasterId id="2147483648" r:id="rId1"/>
   </p:sldMasterIdLst>
+  <p:notesMasterIdLst>
+    <p:notesMasterId r:id="rId18"/>
+  </p:notesMasterIdLst>
   <p:sldIdLst>
     <p:sldId id="256" r:id="rId2"/>
     <p:sldId id="257" r:id="rId3"/>
     <p:sldId id="260" r:id="rId4"/>
-    <p:sldId id="258" r:id="rId5"/>
-    <p:sldId id="259" r:id="rId6"/>
+    <p:sldId id="261" r:id="rId5"/>
+    <p:sldId id="258" r:id="rId6"/>
+    <p:sldId id="259" r:id="rId7"/>
+    <p:sldId id="262" r:id="rId8"/>
+    <p:sldId id="263" r:id="rId9"/>
+    <p:sldId id="264" r:id="rId10"/>
+    <p:sldId id="265" r:id="rId11"/>
+    <p:sldId id="267" r:id="rId12"/>
+    <p:sldId id="266" r:id="rId13"/>
+    <p:sldId id="268" r:id="rId14"/>
+    <p:sldId id="269" r:id="rId15"/>
+    <p:sldId id="270" r:id="rId16"/>
+    <p:sldId id="271" r:id="rId17"/>
   </p:sldIdLst>
   <p:sldSz cx="9144000" cy="6858000" type="screen4x3"/>
   <p:notesSz cx="6858000" cy="9144000"/>
@@ -109,6 +123,497 @@
     </a:lvl9pPr>
   </p:defaultTextStyle>
 </p:presentation>
+</file>
+
+<file path=ppt/notesMasters/notesMaster1.xml><?xml version="1.0" encoding="utf-8"?>
+<p:notesMaster xmlns:a="http://schemas.openxmlformats.org/drawingml/2006/main" xmlns:r="http://schemas.openxmlformats.org/officeDocument/2006/relationships" xmlns:p="http://schemas.openxmlformats.org/presentationml/2006/main">
+  <p:cSld>
+    <p:bg>
+      <p:bgRef idx="1001">
+        <a:schemeClr val="bg1"/>
+      </p:bgRef>
+    </p:bg>
+    <p:spTree>
+      <p:nvGrpSpPr>
+        <p:cNvPr id="1" name=""/>
+        <p:cNvGrpSpPr/>
+        <p:nvPr/>
+      </p:nvGrpSpPr>
+      <p:grpSpPr>
+        <a:xfrm>
+          <a:off x="0" y="0"/>
+          <a:ext cx="0" cy="0"/>
+          <a:chOff x="0" y="0"/>
+          <a:chExt cx="0" cy="0"/>
+        </a:xfrm>
+      </p:grpSpPr>
+      <p:sp>
+        <p:nvSpPr>
+          <p:cNvPr id="2" name="Header Placeholder 1"/>
+          <p:cNvSpPr>
+            <a:spLocks noGrp="1"/>
+          </p:cNvSpPr>
+          <p:nvPr>
+            <p:ph type="hdr" sz="quarter"/>
+          </p:nvPr>
+        </p:nvSpPr>
+        <p:spPr>
+          <a:xfrm>
+            <a:off x="0" y="0"/>
+            <a:ext cx="2971800" cy="457200"/>
+          </a:xfrm>
+          <a:prstGeom prst="rect">
+            <a:avLst/>
+          </a:prstGeom>
+        </p:spPr>
+        <p:txBody>
+          <a:bodyPr vert="horz" lIns="91440" tIns="45720" rIns="91440" bIns="45720" rtlCol="0"/>
+          <a:lstStyle>
+            <a:lvl1pPr algn="l">
+              <a:defRPr sz="1200"/>
+            </a:lvl1pPr>
+          </a:lstStyle>
+          <a:p>
+            <a:endParaRPr lang="en-US"/>
+          </a:p>
+        </p:txBody>
+      </p:sp>
+      <p:sp>
+        <p:nvSpPr>
+          <p:cNvPr id="3" name="Date Placeholder 2"/>
+          <p:cNvSpPr>
+            <a:spLocks noGrp="1"/>
+          </p:cNvSpPr>
+          <p:nvPr>
+            <p:ph type="dt" idx="1"/>
+          </p:nvPr>
+        </p:nvSpPr>
+        <p:spPr>
+          <a:xfrm>
+            <a:off x="3884613" y="0"/>
+            <a:ext cx="2971800" cy="457200"/>
+          </a:xfrm>
+          <a:prstGeom prst="rect">
+            <a:avLst/>
+          </a:prstGeom>
+        </p:spPr>
+        <p:txBody>
+          <a:bodyPr vert="horz" lIns="91440" tIns="45720" rIns="91440" bIns="45720" rtlCol="0"/>
+          <a:lstStyle>
+            <a:lvl1pPr algn="r">
+              <a:defRPr sz="1200"/>
+            </a:lvl1pPr>
+          </a:lstStyle>
+          <a:p>
+            <a:fld id="{30CF4543-6DD9-F44D-AB64-4DE9A09C6D9E}" type="datetimeFigureOut">
+              <a:rPr lang="en-US" smtClean="0"/>
+              <a:t>11/6/18</a:t>
+            </a:fld>
+            <a:endParaRPr lang="en-US"/>
+          </a:p>
+        </p:txBody>
+      </p:sp>
+      <p:sp>
+        <p:nvSpPr>
+          <p:cNvPr id="4" name="Slide Image Placeholder 3"/>
+          <p:cNvSpPr>
+            <a:spLocks noGrp="1" noRot="1" noChangeAspect="1"/>
+          </p:cNvSpPr>
+          <p:nvPr>
+            <p:ph type="sldImg" idx="2"/>
+          </p:nvPr>
+        </p:nvSpPr>
+        <p:spPr>
+          <a:xfrm>
+            <a:off x="1143000" y="685800"/>
+            <a:ext cx="4572000" cy="3429000"/>
+          </a:xfrm>
+          <a:prstGeom prst="rect">
+            <a:avLst/>
+          </a:prstGeom>
+          <a:noFill/>
+          <a:ln w="12700">
+            <a:solidFill>
+              <a:prstClr val="black"/>
+            </a:solidFill>
+          </a:ln>
+        </p:spPr>
+        <p:txBody>
+          <a:bodyPr vert="horz" lIns="91440" tIns="45720" rIns="91440" bIns="45720" rtlCol="0" anchor="ctr"/>
+          <a:lstStyle/>
+          <a:p>
+            <a:endParaRPr lang="en-US"/>
+          </a:p>
+        </p:txBody>
+      </p:sp>
+      <p:sp>
+        <p:nvSpPr>
+          <p:cNvPr id="5" name="Notes Placeholder 4"/>
+          <p:cNvSpPr>
+            <a:spLocks noGrp="1"/>
+          </p:cNvSpPr>
+          <p:nvPr>
+            <p:ph type="body" sz="quarter" idx="3"/>
+          </p:nvPr>
+        </p:nvSpPr>
+        <p:spPr>
+          <a:xfrm>
+            <a:off x="685800" y="4343400"/>
+            <a:ext cx="5486400" cy="4114800"/>
+          </a:xfrm>
+          <a:prstGeom prst="rect">
+            <a:avLst/>
+          </a:prstGeom>
+        </p:spPr>
+        <p:txBody>
+          <a:bodyPr vert="horz" lIns="91440" tIns="45720" rIns="91440" bIns="45720" rtlCol="0"/>
+          <a:lstStyle/>
+          <a:p>
+            <a:pPr lvl="0"/>
+            <a:r>
+              <a:rPr lang="en-US" smtClean="0"/>
+              <a:t>Click to edit Master text styles</a:t>
+            </a:r>
+          </a:p>
+          <a:p>
+            <a:pPr lvl="1"/>
+            <a:r>
+              <a:rPr lang="en-US" smtClean="0"/>
+              <a:t>Second level</a:t>
+            </a:r>
+          </a:p>
+          <a:p>
+            <a:pPr lvl="2"/>
+            <a:r>
+              <a:rPr lang="en-US" smtClean="0"/>
+              <a:t>Third level</a:t>
+            </a:r>
+          </a:p>
+          <a:p>
+            <a:pPr lvl="3"/>
+            <a:r>
+              <a:rPr lang="en-US" smtClean="0"/>
+              <a:t>Fourth level</a:t>
+            </a:r>
+          </a:p>
+          <a:p>
+            <a:pPr lvl="4"/>
+            <a:r>
+              <a:rPr lang="en-US" smtClean="0"/>
+              <a:t>Fifth level</a:t>
+            </a:r>
+            <a:endParaRPr lang="en-US"/>
+          </a:p>
+        </p:txBody>
+      </p:sp>
+      <p:sp>
+        <p:nvSpPr>
+          <p:cNvPr id="6" name="Footer Placeholder 5"/>
+          <p:cNvSpPr>
+            <a:spLocks noGrp="1"/>
+          </p:cNvSpPr>
+          <p:nvPr>
+            <p:ph type="ftr" sz="quarter" idx="4"/>
+          </p:nvPr>
+        </p:nvSpPr>
+        <p:spPr>
+          <a:xfrm>
+            <a:off x="0" y="8685213"/>
+            <a:ext cx="2971800" cy="457200"/>
+          </a:xfrm>
+          <a:prstGeom prst="rect">
+            <a:avLst/>
+          </a:prstGeom>
+        </p:spPr>
+        <p:txBody>
+          <a:bodyPr vert="horz" lIns="91440" tIns="45720" rIns="91440" bIns="45720" rtlCol="0" anchor="b"/>
+          <a:lstStyle>
+            <a:lvl1pPr algn="l">
+              <a:defRPr sz="1200"/>
+            </a:lvl1pPr>
+          </a:lstStyle>
+          <a:p>
+            <a:endParaRPr lang="en-US"/>
+          </a:p>
+        </p:txBody>
+      </p:sp>
+      <p:sp>
+        <p:nvSpPr>
+          <p:cNvPr id="7" name="Slide Number Placeholder 6"/>
+          <p:cNvSpPr>
+            <a:spLocks noGrp="1"/>
+          </p:cNvSpPr>
+          <p:nvPr>
+            <p:ph type="sldNum" sz="quarter" idx="5"/>
+          </p:nvPr>
+        </p:nvSpPr>
+        <p:spPr>
+          <a:xfrm>
+            <a:off x="3884613" y="8685213"/>
+            <a:ext cx="2971800" cy="457200"/>
+          </a:xfrm>
+          <a:prstGeom prst="rect">
+            <a:avLst/>
+          </a:prstGeom>
+        </p:spPr>
+        <p:txBody>
+          <a:bodyPr vert="horz" lIns="91440" tIns="45720" rIns="91440" bIns="45720" rtlCol="0" anchor="b"/>
+          <a:lstStyle>
+            <a:lvl1pPr algn="r">
+              <a:defRPr sz="1200"/>
+            </a:lvl1pPr>
+          </a:lstStyle>
+          <a:p>
+            <a:fld id="{650C9772-E14E-5F43-BC5D-6BC09CF4A3C4}" type="slidenum">
+              <a:rPr lang="en-US" smtClean="0"/>
+              <a:t>‹#›</a:t>
+            </a:fld>
+            <a:endParaRPr lang="en-US"/>
+          </a:p>
+        </p:txBody>
+      </p:sp>
+    </p:spTree>
+    <p:extLst>
+      <p:ext uri="{BB962C8B-B14F-4D97-AF65-F5344CB8AC3E}">
+        <p14:creationId xmlns:p14="http://schemas.microsoft.com/office/powerpoint/2010/main" val="704772306"/>
+      </p:ext>
+    </p:extLst>
+  </p:cSld>
+  <p:clrMap bg1="lt1" tx1="dk1" bg2="lt2" tx2="dk2" accent1="accent1" accent2="accent2" accent3="accent3" accent4="accent4" accent5="accent5" accent6="accent6" hlink="hlink" folHlink="folHlink"/>
+  <p:notesStyle>
+    <a:lvl1pPr marL="0" algn="l" defTabSz="457200" rtl="0" eaLnBrk="1" latinLnBrk="0" hangingPunct="1">
+      <a:defRPr sz="1200" kern="1200">
+        <a:solidFill>
+          <a:schemeClr val="tx1"/>
+        </a:solidFill>
+        <a:latin typeface="+mn-lt"/>
+        <a:ea typeface="+mn-ea"/>
+        <a:cs typeface="+mn-cs"/>
+      </a:defRPr>
+    </a:lvl1pPr>
+    <a:lvl2pPr marL="457200" algn="l" defTabSz="457200" rtl="0" eaLnBrk="1" latinLnBrk="0" hangingPunct="1">
+      <a:defRPr sz="1200" kern="1200">
+        <a:solidFill>
+          <a:schemeClr val="tx1"/>
+        </a:solidFill>
+        <a:latin typeface="+mn-lt"/>
+        <a:ea typeface="+mn-ea"/>
+        <a:cs typeface="+mn-cs"/>
+      </a:defRPr>
+    </a:lvl2pPr>
+    <a:lvl3pPr marL="914400" algn="l" defTabSz="457200" rtl="0" eaLnBrk="1" latinLnBrk="0" hangingPunct="1">
+      <a:defRPr sz="1200" kern="1200">
+        <a:solidFill>
+          <a:schemeClr val="tx1"/>
+        </a:solidFill>
+        <a:latin typeface="+mn-lt"/>
+        <a:ea typeface="+mn-ea"/>
+        <a:cs typeface="+mn-cs"/>
+      </a:defRPr>
+    </a:lvl3pPr>
+    <a:lvl4pPr marL="1371600" algn="l" defTabSz="457200" rtl="0" eaLnBrk="1" latinLnBrk="0" hangingPunct="1">
+      <a:defRPr sz="1200" kern="1200">
+        <a:solidFill>
+          <a:schemeClr val="tx1"/>
+        </a:solidFill>
+        <a:latin typeface="+mn-lt"/>
+        <a:ea typeface="+mn-ea"/>
+        <a:cs typeface="+mn-cs"/>
+      </a:defRPr>
+    </a:lvl4pPr>
+    <a:lvl5pPr marL="1828800" algn="l" defTabSz="457200" rtl="0" eaLnBrk="1" latinLnBrk="0" hangingPunct="1">
+      <a:defRPr sz="1200" kern="1200">
+        <a:solidFill>
+          <a:schemeClr val="tx1"/>
+        </a:solidFill>
+        <a:latin typeface="+mn-lt"/>
+        <a:ea typeface="+mn-ea"/>
+        <a:cs typeface="+mn-cs"/>
+      </a:defRPr>
+    </a:lvl5pPr>
+    <a:lvl6pPr marL="2286000" algn="l" defTabSz="457200" rtl="0" eaLnBrk="1" latinLnBrk="0" hangingPunct="1">
+      <a:defRPr sz="1200" kern="1200">
+        <a:solidFill>
+          <a:schemeClr val="tx1"/>
+        </a:solidFill>
+        <a:latin typeface="+mn-lt"/>
+        <a:ea typeface="+mn-ea"/>
+        <a:cs typeface="+mn-cs"/>
+      </a:defRPr>
+    </a:lvl6pPr>
+    <a:lvl7pPr marL="2743200" algn="l" defTabSz="457200" rtl="0" eaLnBrk="1" latinLnBrk="0" hangingPunct="1">
+      <a:defRPr sz="1200" kern="1200">
+        <a:solidFill>
+          <a:schemeClr val="tx1"/>
+        </a:solidFill>
+        <a:latin typeface="+mn-lt"/>
+        <a:ea typeface="+mn-ea"/>
+        <a:cs typeface="+mn-cs"/>
+      </a:defRPr>
+    </a:lvl7pPr>
+    <a:lvl8pPr marL="3200400" algn="l" defTabSz="457200" rtl="0" eaLnBrk="1" latinLnBrk="0" hangingPunct="1">
+      <a:defRPr sz="1200" kern="1200">
+        <a:solidFill>
+          <a:schemeClr val="tx1"/>
+        </a:solidFill>
+        <a:latin typeface="+mn-lt"/>
+        <a:ea typeface="+mn-ea"/>
+        <a:cs typeface="+mn-cs"/>
+      </a:defRPr>
+    </a:lvl8pPr>
+    <a:lvl9pPr marL="3657600" algn="l" defTabSz="457200" rtl="0" eaLnBrk="1" latinLnBrk="0" hangingPunct="1">
+      <a:defRPr sz="1200" kern="1200">
+        <a:solidFill>
+          <a:schemeClr val="tx1"/>
+        </a:solidFill>
+        <a:latin typeface="+mn-lt"/>
+        <a:ea typeface="+mn-ea"/>
+        <a:cs typeface="+mn-cs"/>
+      </a:defRPr>
+    </a:lvl9pPr>
+  </p:notesStyle>
+</p:notesMaster>
+</file>
+
+<file path=ppt/notesSlides/notesSlide1.xml><?xml version="1.0" encoding="utf-8"?>
+<p:notes xmlns:a="http://schemas.openxmlformats.org/drawingml/2006/main" xmlns:r="http://schemas.openxmlformats.org/officeDocument/2006/relationships" xmlns:p="http://schemas.openxmlformats.org/presentationml/2006/main">
+  <p:cSld>
+    <p:spTree>
+      <p:nvGrpSpPr>
+        <p:cNvPr id="1" name=""/>
+        <p:cNvGrpSpPr/>
+        <p:nvPr/>
+      </p:nvGrpSpPr>
+      <p:grpSpPr>
+        <a:xfrm>
+          <a:off x="0" y="0"/>
+          <a:ext cx="0" cy="0"/>
+          <a:chOff x="0" y="0"/>
+          <a:chExt cx="0" cy="0"/>
+        </a:xfrm>
+      </p:grpSpPr>
+      <p:sp>
+        <p:nvSpPr>
+          <p:cNvPr id="2" name="Slide Image Placeholder 1"/>
+          <p:cNvSpPr>
+            <a:spLocks noGrp="1" noRot="1" noChangeAspect="1"/>
+          </p:cNvSpPr>
+          <p:nvPr>
+            <p:ph type="sldImg"/>
+          </p:nvPr>
+        </p:nvSpPr>
+        <p:spPr/>
+      </p:sp>
+      <p:sp>
+        <p:nvSpPr>
+          <p:cNvPr id="3" name="Notes Placeholder 2"/>
+          <p:cNvSpPr>
+            <a:spLocks noGrp="1"/>
+          </p:cNvSpPr>
+          <p:nvPr>
+            <p:ph type="body" idx="1"/>
+          </p:nvPr>
+        </p:nvSpPr>
+        <p:spPr/>
+        <p:txBody>
+          <a:bodyPr/>
+          <a:lstStyle/>
+          <a:p>
+            <a:r>
+              <a:rPr lang="en-US" dirty="0" smtClean="0"/>
+              <a:t>First step to identify</a:t>
+            </a:r>
+            <a:r>
+              <a:rPr lang="en-US" baseline="0" dirty="0" smtClean="0"/>
+              <a:t> TEs: look up the different </a:t>
+            </a:r>
+            <a:r>
+              <a:rPr lang="en-US" baseline="0" dirty="0" err="1" smtClean="0"/>
+              <a:t>reopsitories</a:t>
+            </a:r>
+            <a:r>
+              <a:rPr lang="en-US" baseline="0" dirty="0" smtClean="0"/>
+              <a:t> available. TE family centric repos:</a:t>
+            </a:r>
+          </a:p>
+          <a:p>
+            <a:r>
+              <a:rPr lang="en-US" baseline="0" dirty="0" smtClean="0"/>
+              <a:t>And Genome centric based repos available.</a:t>
+            </a:r>
+          </a:p>
+          <a:p>
+            <a:r>
+              <a:rPr lang="en-US" baseline="0" dirty="0" err="1" smtClean="0"/>
+              <a:t>RepeatMasker</a:t>
+            </a:r>
+            <a:r>
+              <a:rPr lang="en-US" baseline="0" dirty="0" smtClean="0"/>
+              <a:t> uses the </a:t>
+            </a:r>
+            <a:r>
+              <a:rPr lang="en-US" baseline="0" dirty="0" err="1" smtClean="0"/>
+              <a:t>RepBase</a:t>
+            </a:r>
+            <a:r>
+              <a:rPr lang="en-US" baseline="0" dirty="0" smtClean="0"/>
+              <a:t> and </a:t>
+            </a:r>
+            <a:r>
+              <a:rPr lang="en-US" baseline="0" dirty="0" err="1" smtClean="0"/>
+              <a:t>Dfam</a:t>
+            </a:r>
+            <a:r>
+              <a:rPr lang="en-US" baseline="0" dirty="0" smtClean="0"/>
+              <a:t> TEs and helps to annotate the genome in Eukaryotes</a:t>
+            </a:r>
+          </a:p>
+          <a:p>
+            <a:endParaRPr lang="en-US" baseline="0" dirty="0" smtClean="0"/>
+          </a:p>
+          <a:p>
+            <a:r>
+              <a:rPr lang="en-US" baseline="0" dirty="0" smtClean="0"/>
+              <a:t>There are also Polymorphism Centric repos for L1, but lacking for ALUs in humans</a:t>
+            </a:r>
+            <a:endParaRPr lang="en-US" dirty="0"/>
+          </a:p>
+        </p:txBody>
+      </p:sp>
+      <p:sp>
+        <p:nvSpPr>
+          <p:cNvPr id="4" name="Slide Number Placeholder 3"/>
+          <p:cNvSpPr>
+            <a:spLocks noGrp="1"/>
+          </p:cNvSpPr>
+          <p:nvPr>
+            <p:ph type="sldNum" sz="quarter" idx="10"/>
+          </p:nvPr>
+        </p:nvSpPr>
+        <p:spPr/>
+        <p:txBody>
+          <a:bodyPr/>
+          <a:lstStyle/>
+          <a:p>
+            <a:fld id="{650C9772-E14E-5F43-BC5D-6BC09CF4A3C4}" type="slidenum">
+              <a:rPr lang="en-US" smtClean="0"/>
+              <a:t>8</a:t>
+            </a:fld>
+            <a:endParaRPr lang="en-US"/>
+          </a:p>
+        </p:txBody>
+      </p:sp>
+    </p:spTree>
+    <p:extLst>
+      <p:ext uri="{BB962C8B-B14F-4D97-AF65-F5344CB8AC3E}">
+        <p14:creationId xmlns:p14="http://schemas.microsoft.com/office/powerpoint/2010/main" val="989788685"/>
+      </p:ext>
+    </p:extLst>
+  </p:cSld>
+  <p:clrMapOvr>
+    <a:masterClrMapping/>
+  </p:clrMapOvr>
+</p:notes>
 </file>
 
 <file path=ppt/slideLayouts/slideLayout1.xml><?xml version="1.0" encoding="utf-8"?>
@@ -3169,6 +3674,1539 @@
   <p:clrMapOvr>
     <a:masterClrMapping/>
   </p:clrMapOvr>
+  <p:timing>
+    <p:tnLst>
+      <p:par>
+        <p:cTn xmlns:p14="http://schemas.microsoft.com/office/powerpoint/2010/main" id="1" dur="indefinite" restart="never" nodeType="tmRoot"/>
+      </p:par>
+    </p:tnLst>
+  </p:timing>
+</p:sld>
+</file>
+
+<file path=ppt/slides/slide10.xml><?xml version="1.0" encoding="utf-8"?>
+<p:sld xmlns:a="http://schemas.openxmlformats.org/drawingml/2006/main" xmlns:r="http://schemas.openxmlformats.org/officeDocument/2006/relationships" xmlns:p="http://schemas.openxmlformats.org/presentationml/2006/main">
+  <p:cSld>
+    <p:spTree>
+      <p:nvGrpSpPr>
+        <p:cNvPr id="1" name=""/>
+        <p:cNvGrpSpPr/>
+        <p:nvPr/>
+      </p:nvGrpSpPr>
+      <p:grpSpPr>
+        <a:xfrm>
+          <a:off x="0" y="0"/>
+          <a:ext cx="0" cy="0"/>
+          <a:chOff x="0" y="0"/>
+          <a:chExt cx="0" cy="0"/>
+        </a:xfrm>
+      </p:grpSpPr>
+      <p:sp>
+        <p:nvSpPr>
+          <p:cNvPr id="4" name="Rectangle 3"/>
+          <p:cNvSpPr/>
+          <p:nvPr/>
+        </p:nvSpPr>
+        <p:spPr>
+          <a:xfrm>
+            <a:off x="657923" y="458217"/>
+            <a:ext cx="8262305" cy="2369880"/>
+          </a:xfrm>
+          <a:prstGeom prst="rect">
+            <a:avLst/>
+          </a:prstGeom>
+        </p:spPr>
+        <p:txBody>
+          <a:bodyPr wrap="square">
+            <a:spAutoFit/>
+          </a:bodyPr>
+          <a:lstStyle/>
+          <a:p>
+            <a:pPr algn="ctr"/>
+            <a:r>
+              <a:rPr lang="en-US" sz="2800" dirty="0" smtClean="0">
+                <a:solidFill>
+                  <a:srgbClr val="800000"/>
+                </a:solidFill>
+              </a:rPr>
+              <a:t>Red(repeat discovery): an intelligent, rapid, accurate tool for detecting repeats de-novo on the genomic scale</a:t>
+            </a:r>
+          </a:p>
+          <a:p>
+            <a:pPr algn="ctr"/>
+            <a:endParaRPr lang="en-US" sz="3200" dirty="0" smtClean="0">
+              <a:solidFill>
+                <a:srgbClr val="800000"/>
+              </a:solidFill>
+            </a:endParaRPr>
+          </a:p>
+          <a:p>
+            <a:pPr algn="ctr"/>
+            <a:endParaRPr lang="en-US" sz="3200" dirty="0">
+              <a:solidFill>
+                <a:srgbClr val="800000"/>
+              </a:solidFill>
+            </a:endParaRPr>
+          </a:p>
+        </p:txBody>
+      </p:sp>
+      <p:sp>
+        <p:nvSpPr>
+          <p:cNvPr id="5" name="TextBox 4"/>
+          <p:cNvSpPr txBox="1"/>
+          <p:nvPr/>
+        </p:nvSpPr>
+        <p:spPr>
+          <a:xfrm>
+            <a:off x="948635" y="1654489"/>
+            <a:ext cx="7191266" cy="4801315"/>
+          </a:xfrm>
+          <a:prstGeom prst="rect">
+            <a:avLst/>
+          </a:prstGeom>
+          <a:noFill/>
+        </p:spPr>
+        <p:txBody>
+          <a:bodyPr wrap="square" rtlCol="0">
+            <a:spAutoFit/>
+          </a:bodyPr>
+          <a:lstStyle/>
+          <a:p>
+            <a:pPr marL="285750" indent="-285750">
+              <a:buFont typeface="Arial"/>
+              <a:buChar char="•"/>
+            </a:pPr>
+            <a:endParaRPr lang="en-US" dirty="0" smtClean="0"/>
+          </a:p>
+          <a:p>
+            <a:pPr marL="285750" indent="-285750">
+              <a:buFont typeface="Arial"/>
+              <a:buChar char="•"/>
+            </a:pPr>
+            <a:r>
+              <a:rPr lang="en-US" dirty="0" smtClean="0"/>
+              <a:t>Step 1: Score k-</a:t>
+            </a:r>
+            <a:r>
+              <a:rPr lang="en-US" dirty="0" err="1" smtClean="0"/>
+              <a:t>mers</a:t>
+            </a:r>
+            <a:r>
+              <a:rPr lang="en-US" dirty="0" smtClean="0"/>
+              <a:t> based on their </a:t>
+            </a:r>
+            <a:r>
+              <a:rPr lang="en-US" dirty="0" err="1" smtClean="0"/>
+              <a:t>occurance</a:t>
+            </a:r>
+            <a:r>
+              <a:rPr lang="en-US" dirty="0" smtClean="0"/>
+              <a:t> frequency in the genome </a:t>
+            </a:r>
+            <a:r>
+              <a:rPr lang="en-US" dirty="0" err="1" smtClean="0"/>
+              <a:t>wrt</a:t>
+            </a:r>
+            <a:r>
+              <a:rPr lang="en-US" dirty="0" smtClean="0"/>
+              <a:t>. a </a:t>
+            </a:r>
+            <a:r>
+              <a:rPr lang="en-US" dirty="0" err="1" smtClean="0"/>
+              <a:t>markov</a:t>
+            </a:r>
+            <a:r>
+              <a:rPr lang="en-US" dirty="0" smtClean="0"/>
+              <a:t> chain trained on the same genome</a:t>
+            </a:r>
+          </a:p>
+          <a:p>
+            <a:pPr marL="285750" indent="-285750">
+              <a:buFont typeface="Arial"/>
+              <a:buChar char="•"/>
+            </a:pPr>
+            <a:r>
+              <a:rPr lang="en-US" i="1" dirty="0" smtClean="0">
+                <a:solidFill>
+                  <a:srgbClr val="800000"/>
+                </a:solidFill>
+              </a:rPr>
+              <a:t>Labeling steps</a:t>
+            </a:r>
+          </a:p>
+          <a:p>
+            <a:pPr marL="285750" indent="-285750">
+              <a:buFont typeface="Arial"/>
+              <a:buChar char="•"/>
+            </a:pPr>
+            <a:r>
+              <a:rPr lang="en-US" dirty="0" smtClean="0"/>
+              <a:t>Step 2: Score each nucleotide in a sequence based on the k-</a:t>
+            </a:r>
+            <a:r>
+              <a:rPr lang="en-US" dirty="0" err="1" smtClean="0"/>
+              <a:t>mer</a:t>
+            </a:r>
+            <a:r>
+              <a:rPr lang="en-US" dirty="0" smtClean="0"/>
+              <a:t> starting there</a:t>
+            </a:r>
+          </a:p>
+          <a:p>
+            <a:pPr marL="285750" indent="-285750">
+              <a:buFont typeface="Arial"/>
+              <a:buChar char="•"/>
+            </a:pPr>
+            <a:r>
+              <a:rPr lang="en-US" dirty="0" smtClean="0"/>
+              <a:t>Step3 : Smooth the scores with a Gaussian Kernel, and do peak detection , label </a:t>
+            </a:r>
+          </a:p>
+          <a:p>
+            <a:pPr marL="285750" indent="-285750">
+              <a:buFont typeface="Arial"/>
+              <a:buChar char="•"/>
+            </a:pPr>
+            <a:r>
+              <a:rPr lang="en-US" i="1" dirty="0" smtClean="0">
+                <a:solidFill>
+                  <a:srgbClr val="800000"/>
+                </a:solidFill>
+              </a:rPr>
+              <a:t>Train step:</a:t>
+            </a:r>
+            <a:endParaRPr lang="en-US" i="1" dirty="0">
+              <a:solidFill>
+                <a:srgbClr val="800000"/>
+              </a:solidFill>
+            </a:endParaRPr>
+          </a:p>
+          <a:p>
+            <a:pPr marL="285750" indent="-285750">
+              <a:buFont typeface="Arial"/>
+              <a:buChar char="•"/>
+            </a:pPr>
+            <a:r>
+              <a:rPr lang="en-US" dirty="0" smtClean="0"/>
+              <a:t>Step 4: Train an HMM to smooth this (</a:t>
+            </a:r>
+            <a:r>
+              <a:rPr lang="en-US" dirty="0" smtClean="0">
+                <a:solidFill>
+                  <a:srgbClr val="FF0000"/>
+                </a:solidFill>
+              </a:rPr>
+              <a:t>Repeats and Non repeats are the hidden states</a:t>
+            </a:r>
+            <a:r>
+              <a:rPr lang="en-US" dirty="0" smtClean="0"/>
+              <a:t>) Intuitively, lots of high scores interspersed with some low scores indicates a repeat, and lots of low scores interspersed with high scores in a non repeat</a:t>
+            </a:r>
+          </a:p>
+          <a:p>
+            <a:pPr marL="285750" indent="-285750">
+              <a:buFont typeface="Arial"/>
+              <a:buChar char="•"/>
+            </a:pPr>
+            <a:r>
+              <a:rPr lang="en-US" dirty="0" smtClean="0">
+                <a:solidFill>
+                  <a:srgbClr val="800000"/>
+                </a:solidFill>
+              </a:rPr>
+              <a:t>Annotate:</a:t>
+            </a:r>
+          </a:p>
+          <a:p>
+            <a:pPr marL="285750" indent="-285750">
+              <a:buFont typeface="Arial"/>
+              <a:buChar char="•"/>
+            </a:pPr>
+            <a:r>
+              <a:rPr lang="en-US" dirty="0" smtClean="0"/>
+              <a:t>Step 5: Use the trained HMM to annotate the Genome (with the smoothed k-</a:t>
+            </a:r>
+            <a:r>
+              <a:rPr lang="en-US" dirty="0" err="1" smtClean="0"/>
+              <a:t>mer</a:t>
+            </a:r>
+            <a:r>
+              <a:rPr lang="en-US" dirty="0" smtClean="0"/>
+              <a:t> weights encoding); and Viterbi decoding of the hidden states</a:t>
+            </a:r>
+            <a:endParaRPr lang="en-US" dirty="0"/>
+          </a:p>
+        </p:txBody>
+      </p:sp>
+      <p:sp>
+        <p:nvSpPr>
+          <p:cNvPr id="6" name="TextBox 5"/>
+          <p:cNvSpPr txBox="1"/>
+          <p:nvPr/>
+        </p:nvSpPr>
+        <p:spPr>
+          <a:xfrm>
+            <a:off x="948635" y="1637046"/>
+            <a:ext cx="7757386" cy="369332"/>
+          </a:xfrm>
+          <a:prstGeom prst="rect">
+            <a:avLst/>
+          </a:prstGeom>
+          <a:noFill/>
+        </p:spPr>
+        <p:txBody>
+          <a:bodyPr wrap="square" rtlCol="0">
+            <a:spAutoFit/>
+          </a:bodyPr>
+          <a:lstStyle/>
+          <a:p>
+            <a:r>
+              <a:rPr lang="en-US" b="1" dirty="0" smtClean="0"/>
+              <a:t>Model Inputs: Sequences in FASTA format</a:t>
+            </a:r>
+            <a:endParaRPr lang="en-US" b="1" dirty="0"/>
+          </a:p>
+        </p:txBody>
+      </p:sp>
+      <p:sp>
+        <p:nvSpPr>
+          <p:cNvPr id="7" name="Rectangle 6"/>
+          <p:cNvSpPr/>
+          <p:nvPr/>
+        </p:nvSpPr>
+        <p:spPr>
+          <a:xfrm>
+            <a:off x="1123156" y="6285718"/>
+            <a:ext cx="7338055" cy="461665"/>
+          </a:xfrm>
+          <a:prstGeom prst="rect">
+            <a:avLst/>
+          </a:prstGeom>
+        </p:spPr>
+        <p:txBody>
+          <a:bodyPr wrap="square">
+            <a:spAutoFit/>
+          </a:bodyPr>
+          <a:lstStyle/>
+          <a:p>
+            <a:r>
+              <a:rPr lang="en-US" sz="1200" dirty="0" smtClean="0"/>
+              <a:t>Red: an intelligent, rapid, accurate tool for detecting repeats de-novo on the genomic scale. BMC Bioinformatics. 2015;16:227. Published 2015 Jul 24. doi:10.1186/s12859-015-0654-5</a:t>
+            </a:r>
+            <a:endParaRPr lang="en-US" sz="1200" dirty="0"/>
+          </a:p>
+        </p:txBody>
+      </p:sp>
+    </p:spTree>
+    <p:extLst>
+      <p:ext uri="{BB962C8B-B14F-4D97-AF65-F5344CB8AC3E}">
+        <p14:creationId xmlns:p14="http://schemas.microsoft.com/office/powerpoint/2010/main" val="4102251365"/>
+      </p:ext>
+    </p:extLst>
+  </p:cSld>
+  <p:clrMapOvr>
+    <a:masterClrMapping/>
+  </p:clrMapOvr>
+  <p:timing>
+    <p:tnLst>
+      <p:par>
+        <p:cTn xmlns:p14="http://schemas.microsoft.com/office/powerpoint/2010/main" id="1" dur="indefinite" restart="never" nodeType="tmRoot"/>
+      </p:par>
+    </p:tnLst>
+  </p:timing>
+</p:sld>
+</file>
+
+<file path=ppt/slides/slide11.xml><?xml version="1.0" encoding="utf-8"?>
+<p:sld xmlns:a="http://schemas.openxmlformats.org/drawingml/2006/main" xmlns:r="http://schemas.openxmlformats.org/officeDocument/2006/relationships" xmlns:p="http://schemas.openxmlformats.org/presentationml/2006/main">
+  <p:cSld>
+    <p:spTree>
+      <p:nvGrpSpPr>
+        <p:cNvPr id="1" name=""/>
+        <p:cNvGrpSpPr/>
+        <p:nvPr/>
+      </p:nvGrpSpPr>
+      <p:grpSpPr>
+        <a:xfrm>
+          <a:off x="0" y="0"/>
+          <a:ext cx="0" cy="0"/>
+          <a:chOff x="0" y="0"/>
+          <a:chExt cx="0" cy="0"/>
+        </a:xfrm>
+      </p:grpSpPr>
+      <p:sp>
+        <p:nvSpPr>
+          <p:cNvPr id="2" name="Title 1"/>
+          <p:cNvSpPr>
+            <a:spLocks noGrp="1"/>
+          </p:cNvSpPr>
+          <p:nvPr>
+            <p:ph type="title"/>
+          </p:nvPr>
+        </p:nvSpPr>
+        <p:spPr/>
+        <p:txBody>
+          <a:bodyPr>
+            <a:noAutofit/>
+          </a:bodyPr>
+          <a:lstStyle/>
+          <a:p>
+            <a:r>
+              <a:rPr lang="en-US" sz="2800" dirty="0" smtClean="0">
+                <a:solidFill>
+                  <a:srgbClr val="800000"/>
+                </a:solidFill>
+              </a:rPr>
+              <a:t>Red(repeat discovery): an intelligent, rapid, accurate tool for detecting repeats de-novo on the genomic scale</a:t>
+            </a:r>
+            <a:br>
+              <a:rPr lang="en-US" sz="2800" dirty="0" smtClean="0">
+                <a:solidFill>
+                  <a:srgbClr val="800000"/>
+                </a:solidFill>
+              </a:rPr>
+            </a:br>
+            <a:endParaRPr lang="en-US" sz="2800" dirty="0"/>
+          </a:p>
+        </p:txBody>
+      </p:sp>
+      <p:pic>
+        <p:nvPicPr>
+          <p:cNvPr id="4" name="Picture 3" descr="RED_algorithm_outline.png"/>
+          <p:cNvPicPr>
+            <a:picLocks noChangeAspect="1"/>
+          </p:cNvPicPr>
+          <p:nvPr/>
+        </p:nvPicPr>
+        <p:blipFill>
+          <a:blip r:embed="rId2">
+            <a:extLst>
+              <a:ext uri="{28A0092B-C50C-407E-A947-70E740481C1C}">
+                <a14:useLocalDpi xmlns:a14="http://schemas.microsoft.com/office/drawing/2010/main" val="0"/>
+              </a:ext>
+            </a:extLst>
+          </a:blip>
+          <a:stretch>
+            <a:fillRect/>
+          </a:stretch>
+        </p:blipFill>
+        <p:spPr>
+          <a:xfrm>
+            <a:off x="609475" y="1208660"/>
+            <a:ext cx="5257452" cy="5358947"/>
+          </a:xfrm>
+          <a:prstGeom prst="rect">
+            <a:avLst/>
+          </a:prstGeom>
+        </p:spPr>
+      </p:pic>
+    </p:spTree>
+    <p:extLst>
+      <p:ext uri="{BB962C8B-B14F-4D97-AF65-F5344CB8AC3E}">
+        <p14:creationId xmlns:p14="http://schemas.microsoft.com/office/powerpoint/2010/main" val="1590138933"/>
+      </p:ext>
+    </p:extLst>
+  </p:cSld>
+  <p:clrMapOvr>
+    <a:masterClrMapping/>
+  </p:clrMapOvr>
+  <p:timing>
+    <p:tnLst>
+      <p:par>
+        <p:cTn xmlns:p14="http://schemas.microsoft.com/office/powerpoint/2010/main" id="1" dur="indefinite" restart="never" nodeType="tmRoot"/>
+      </p:par>
+    </p:tnLst>
+  </p:timing>
+</p:sld>
+</file>
+
+<file path=ppt/slides/slide12.xml><?xml version="1.0" encoding="utf-8"?>
+<p:sld xmlns:a="http://schemas.openxmlformats.org/drawingml/2006/main" xmlns:r="http://schemas.openxmlformats.org/officeDocument/2006/relationships" xmlns:p="http://schemas.openxmlformats.org/presentationml/2006/main">
+  <p:cSld>
+    <p:spTree>
+      <p:nvGrpSpPr>
+        <p:cNvPr id="1" name=""/>
+        <p:cNvGrpSpPr/>
+        <p:nvPr/>
+      </p:nvGrpSpPr>
+      <p:grpSpPr>
+        <a:xfrm>
+          <a:off x="0" y="0"/>
+          <a:ext cx="0" cy="0"/>
+          <a:chOff x="0" y="0"/>
+          <a:chExt cx="0" cy="0"/>
+        </a:xfrm>
+      </p:grpSpPr>
+      <p:sp>
+        <p:nvSpPr>
+          <p:cNvPr id="2" name="Title 1"/>
+          <p:cNvSpPr>
+            <a:spLocks noGrp="1"/>
+          </p:cNvSpPr>
+          <p:nvPr>
+            <p:ph type="title"/>
+          </p:nvPr>
+        </p:nvSpPr>
+        <p:spPr/>
+        <p:txBody>
+          <a:bodyPr>
+            <a:normAutofit/>
+          </a:bodyPr>
+          <a:lstStyle/>
+          <a:p>
+            <a:r>
+              <a:rPr lang="en-US" sz="3200" dirty="0" smtClean="0">
+                <a:solidFill>
+                  <a:srgbClr val="800000"/>
+                </a:solidFill>
+              </a:rPr>
+              <a:t>DNA annotation from Raw Reads</a:t>
+            </a:r>
+            <a:br>
+              <a:rPr lang="en-US" sz="3200" dirty="0" smtClean="0">
+                <a:solidFill>
+                  <a:srgbClr val="800000"/>
+                </a:solidFill>
+              </a:rPr>
+            </a:br>
+            <a:r>
+              <a:rPr lang="en-US" sz="3200" dirty="0" err="1" smtClean="0">
+                <a:solidFill>
+                  <a:srgbClr val="800000"/>
+                </a:solidFill>
+              </a:rPr>
+              <a:t>RepeatExplorer</a:t>
+            </a:r>
+            <a:r>
+              <a:rPr lang="en-US" sz="3200" dirty="0" smtClean="0">
+                <a:solidFill>
+                  <a:srgbClr val="800000"/>
+                </a:solidFill>
+              </a:rPr>
+              <a:t> algorithm</a:t>
+            </a:r>
+            <a:endParaRPr lang="en-US" sz="3200" dirty="0">
+              <a:solidFill>
+                <a:srgbClr val="800000"/>
+              </a:solidFill>
+            </a:endParaRPr>
+          </a:p>
+        </p:txBody>
+      </p:sp>
+      <p:sp>
+        <p:nvSpPr>
+          <p:cNvPr id="3" name="Content Placeholder 2"/>
+          <p:cNvSpPr>
+            <a:spLocks noGrp="1"/>
+          </p:cNvSpPr>
+          <p:nvPr>
+            <p:ph idx="1"/>
+          </p:nvPr>
+        </p:nvSpPr>
+        <p:spPr>
+          <a:xfrm>
+            <a:off x="457200" y="2024061"/>
+            <a:ext cx="8229600" cy="3606154"/>
+          </a:xfrm>
+        </p:spPr>
+        <p:txBody>
+          <a:bodyPr>
+            <a:normAutofit/>
+          </a:bodyPr>
+          <a:lstStyle/>
+          <a:p>
+            <a:r>
+              <a:rPr lang="en-US" sz="1800" dirty="0" smtClean="0"/>
+              <a:t>This is needed when we do not have an assembled genome, but we do have sequencing done that maybe be low depth (not high enough for assembly)</a:t>
+            </a:r>
+          </a:p>
+          <a:p>
+            <a:r>
+              <a:rPr lang="en-US" sz="1800" dirty="0" smtClean="0"/>
+              <a:t>They are different Graph based clustering algorithms</a:t>
+            </a:r>
+          </a:p>
+          <a:p>
+            <a:r>
+              <a:rPr lang="en-US" sz="1800" dirty="0" smtClean="0"/>
+              <a:t>Graph is constructed with the </a:t>
+            </a:r>
+            <a:r>
+              <a:rPr lang="en-US" sz="1800" dirty="0" smtClean="0">
+                <a:solidFill>
+                  <a:srgbClr val="008000"/>
+                </a:solidFill>
+              </a:rPr>
+              <a:t>Vertices being reads </a:t>
+            </a:r>
+            <a:r>
+              <a:rPr lang="en-US" sz="1800" dirty="0" smtClean="0"/>
+              <a:t>and </a:t>
+            </a:r>
+            <a:r>
+              <a:rPr lang="en-US" sz="1800" dirty="0" smtClean="0">
+                <a:solidFill>
+                  <a:srgbClr val="008000"/>
+                </a:solidFill>
+              </a:rPr>
+              <a:t>edges (weights) being pairwise sequence similarity </a:t>
+            </a:r>
+            <a:r>
+              <a:rPr lang="en-US" sz="1800" dirty="0" smtClean="0"/>
+              <a:t>(which is </a:t>
+            </a:r>
+            <a:r>
+              <a:rPr lang="en-US" sz="1800" dirty="0" err="1" smtClean="0"/>
+              <a:t>thresholded</a:t>
+            </a:r>
+            <a:r>
+              <a:rPr lang="en-US" sz="1800" dirty="0" smtClean="0"/>
+              <a:t> at some minimum)</a:t>
+            </a:r>
+          </a:p>
+          <a:p>
+            <a:r>
+              <a:rPr lang="en-US" sz="1800" dirty="0" smtClean="0"/>
+              <a:t>Community detection is then done on the Graph with a hierarchical agglomeration algorithm</a:t>
+            </a:r>
+          </a:p>
+          <a:p>
+            <a:r>
+              <a:rPr lang="en-US" sz="1800" dirty="0" smtClean="0"/>
+              <a:t>A similar algorithm called </a:t>
+            </a:r>
+            <a:r>
+              <a:rPr lang="en-US" sz="1800" dirty="0" err="1" smtClean="0">
+                <a:solidFill>
+                  <a:srgbClr val="FF0000"/>
+                </a:solidFill>
+              </a:rPr>
+              <a:t>RepLong</a:t>
+            </a:r>
+            <a:r>
+              <a:rPr lang="en-US" sz="1800" dirty="0" smtClean="0">
+                <a:solidFill>
+                  <a:srgbClr val="FF0000"/>
+                </a:solidFill>
+              </a:rPr>
+              <a:t> </a:t>
+            </a:r>
+            <a:r>
+              <a:rPr lang="en-US" sz="1800" dirty="0" smtClean="0"/>
+              <a:t>works with long reads and graph clustering and has higher recall. This assigns repeats to 35% of the Human genome</a:t>
+            </a:r>
+          </a:p>
+          <a:p>
+            <a:r>
+              <a:rPr lang="en-US" sz="1800" dirty="0" smtClean="0"/>
+              <a:t>In general, De Novo annotation from raw reads assigns lesser numbers of repeats than De Novo methods that require an assembled genome</a:t>
+            </a:r>
+          </a:p>
+          <a:p>
+            <a:endParaRPr lang="en-US" sz="1800" dirty="0" smtClean="0">
+              <a:solidFill>
+                <a:srgbClr val="FF0000"/>
+              </a:solidFill>
+            </a:endParaRPr>
+          </a:p>
+          <a:p>
+            <a:endParaRPr lang="en-US" sz="1800" dirty="0" smtClean="0"/>
+          </a:p>
+          <a:p>
+            <a:pPr marL="0" indent="0">
+              <a:buNone/>
+            </a:pPr>
+            <a:endParaRPr lang="en-US" sz="1800" dirty="0" smtClean="0">
+              <a:solidFill>
+                <a:srgbClr val="008000"/>
+              </a:solidFill>
+            </a:endParaRPr>
+          </a:p>
+        </p:txBody>
+      </p:sp>
+      <p:sp>
+        <p:nvSpPr>
+          <p:cNvPr id="5" name="Rectangle 4"/>
+          <p:cNvSpPr/>
+          <p:nvPr/>
+        </p:nvSpPr>
+        <p:spPr>
+          <a:xfrm>
+            <a:off x="847746" y="5979728"/>
+            <a:ext cx="7062645" cy="400110"/>
+          </a:xfrm>
+          <a:prstGeom prst="rect">
+            <a:avLst/>
+          </a:prstGeom>
+        </p:spPr>
+        <p:txBody>
+          <a:bodyPr wrap="square">
+            <a:spAutoFit/>
+          </a:bodyPr>
+          <a:lstStyle/>
+          <a:p>
+            <a:r>
+              <a:rPr lang="en-US" sz="1000" dirty="0" err="1" smtClean="0"/>
+              <a:t>Novák</a:t>
+            </a:r>
+            <a:r>
+              <a:rPr lang="en-US" sz="1000" dirty="0" smtClean="0"/>
+              <a:t> P, Neumann P, </a:t>
+            </a:r>
+            <a:r>
+              <a:rPr lang="en-US" sz="1000" dirty="0" err="1" smtClean="0"/>
+              <a:t>Macas</a:t>
+            </a:r>
+            <a:r>
+              <a:rPr lang="en-US" sz="1000" dirty="0" smtClean="0"/>
+              <a:t> J. Graph-based clustering and characterization of repetitive sequences in next-generation sequencing data. BMC Bioinformatics. 2010;11:378. Published 2010 Jul 15. doi:10.1186/1471-2105-11-378</a:t>
+            </a:r>
+            <a:endParaRPr lang="en-US" sz="1000" dirty="0"/>
+          </a:p>
+        </p:txBody>
+      </p:sp>
+    </p:spTree>
+    <p:extLst>
+      <p:ext uri="{BB962C8B-B14F-4D97-AF65-F5344CB8AC3E}">
+        <p14:creationId xmlns:p14="http://schemas.microsoft.com/office/powerpoint/2010/main" val="3831158453"/>
+      </p:ext>
+    </p:extLst>
+  </p:cSld>
+  <p:clrMapOvr>
+    <a:masterClrMapping/>
+  </p:clrMapOvr>
+  <p:timing>
+    <p:tnLst>
+      <p:par>
+        <p:cTn xmlns:p14="http://schemas.microsoft.com/office/powerpoint/2010/main" id="1" dur="indefinite" restart="never" nodeType="tmRoot"/>
+      </p:par>
+    </p:tnLst>
+  </p:timing>
+</p:sld>
+</file>
+
+<file path=ppt/slides/slide13.xml><?xml version="1.0" encoding="utf-8"?>
+<p:sld xmlns:a="http://schemas.openxmlformats.org/drawingml/2006/main" xmlns:r="http://schemas.openxmlformats.org/officeDocument/2006/relationships" xmlns:p="http://schemas.openxmlformats.org/presentationml/2006/main">
+  <p:cSld>
+    <p:spTree>
+      <p:nvGrpSpPr>
+        <p:cNvPr id="1" name=""/>
+        <p:cNvGrpSpPr/>
+        <p:nvPr/>
+      </p:nvGrpSpPr>
+      <p:grpSpPr>
+        <a:xfrm>
+          <a:off x="0" y="0"/>
+          <a:ext cx="0" cy="0"/>
+          <a:chOff x="0" y="0"/>
+          <a:chExt cx="0" cy="0"/>
+        </a:xfrm>
+      </p:grpSpPr>
+      <p:sp>
+        <p:nvSpPr>
+          <p:cNvPr id="2" name="Title 1"/>
+          <p:cNvSpPr>
+            <a:spLocks noGrp="1"/>
+          </p:cNvSpPr>
+          <p:nvPr>
+            <p:ph type="title"/>
+          </p:nvPr>
+        </p:nvSpPr>
+        <p:spPr/>
+        <p:txBody>
+          <a:bodyPr>
+            <a:normAutofit/>
+          </a:bodyPr>
+          <a:lstStyle/>
+          <a:p>
+            <a:r>
+              <a:rPr lang="en-US" sz="3200" dirty="0" smtClean="0">
+                <a:solidFill>
+                  <a:srgbClr val="800000"/>
+                </a:solidFill>
+              </a:rPr>
+              <a:t>DNA annotation from Raw Reads</a:t>
+            </a:r>
+            <a:br>
+              <a:rPr lang="en-US" sz="3200" dirty="0" smtClean="0">
+                <a:solidFill>
+                  <a:srgbClr val="800000"/>
+                </a:solidFill>
+              </a:rPr>
+            </a:br>
+            <a:r>
+              <a:rPr lang="en-US" sz="3200" dirty="0" err="1" smtClean="0">
+                <a:solidFill>
+                  <a:srgbClr val="800000"/>
+                </a:solidFill>
+              </a:rPr>
+              <a:t>RepeatExplorer</a:t>
+            </a:r>
+            <a:r>
+              <a:rPr lang="en-US" sz="3200" dirty="0" smtClean="0">
+                <a:solidFill>
+                  <a:srgbClr val="800000"/>
+                </a:solidFill>
+              </a:rPr>
+              <a:t> algorithm</a:t>
+            </a:r>
+            <a:endParaRPr lang="en-US" sz="3200" dirty="0"/>
+          </a:p>
+        </p:txBody>
+      </p:sp>
+      <p:pic>
+        <p:nvPicPr>
+          <p:cNvPr id="4" name="Picture 3" descr="graph_based_clustering.png"/>
+          <p:cNvPicPr>
+            <a:picLocks noChangeAspect="1"/>
+          </p:cNvPicPr>
+          <p:nvPr/>
+        </p:nvPicPr>
+        <p:blipFill>
+          <a:blip r:embed="rId2">
+            <a:extLst>
+              <a:ext uri="{28A0092B-C50C-407E-A947-70E740481C1C}">
+                <a14:useLocalDpi xmlns:a14="http://schemas.microsoft.com/office/drawing/2010/main" val="0"/>
+              </a:ext>
+            </a:extLst>
+          </a:blip>
+          <a:stretch>
+            <a:fillRect/>
+          </a:stretch>
+        </p:blipFill>
+        <p:spPr>
+          <a:xfrm>
+            <a:off x="457200" y="1652346"/>
+            <a:ext cx="4438981" cy="4528651"/>
+          </a:xfrm>
+          <a:prstGeom prst="rect">
+            <a:avLst/>
+          </a:prstGeom>
+        </p:spPr>
+      </p:pic>
+      <p:sp>
+        <p:nvSpPr>
+          <p:cNvPr id="5" name="TextBox 4"/>
+          <p:cNvSpPr txBox="1"/>
+          <p:nvPr/>
+        </p:nvSpPr>
+        <p:spPr>
+          <a:xfrm>
+            <a:off x="5600007" y="1774742"/>
+            <a:ext cx="2631697" cy="1200329"/>
+          </a:xfrm>
+          <a:prstGeom prst="rect">
+            <a:avLst/>
+          </a:prstGeom>
+          <a:noFill/>
+        </p:spPr>
+        <p:txBody>
+          <a:bodyPr wrap="square" rtlCol="0">
+            <a:spAutoFit/>
+          </a:bodyPr>
+          <a:lstStyle/>
+          <a:p>
+            <a:pPr marL="285750" indent="-285750">
+              <a:buFont typeface="Arial"/>
+              <a:buChar char="•"/>
+            </a:pPr>
+            <a:r>
+              <a:rPr lang="en-US" dirty="0" smtClean="0"/>
+              <a:t>Identify communities</a:t>
+            </a:r>
+          </a:p>
+          <a:p>
+            <a:pPr marL="285750" indent="-285750">
+              <a:buFont typeface="Arial"/>
+              <a:buChar char="•"/>
+            </a:pPr>
+            <a:r>
+              <a:rPr lang="en-US" dirty="0" smtClean="0"/>
+              <a:t>Identify connected components in the graph</a:t>
+            </a:r>
+          </a:p>
+        </p:txBody>
+      </p:sp>
+    </p:spTree>
+    <p:extLst>
+      <p:ext uri="{BB962C8B-B14F-4D97-AF65-F5344CB8AC3E}">
+        <p14:creationId xmlns:p14="http://schemas.microsoft.com/office/powerpoint/2010/main" val="506836839"/>
+      </p:ext>
+    </p:extLst>
+  </p:cSld>
+  <p:clrMapOvr>
+    <a:masterClrMapping/>
+  </p:clrMapOvr>
+  <p:timing>
+    <p:tnLst>
+      <p:par>
+        <p:cTn xmlns:p14="http://schemas.microsoft.com/office/powerpoint/2010/main" id="1" dur="indefinite" restart="never" nodeType="tmRoot"/>
+      </p:par>
+    </p:tnLst>
+  </p:timing>
+</p:sld>
+</file>
+
+<file path=ppt/slides/slide14.xml><?xml version="1.0" encoding="utf-8"?>
+<p:sld xmlns:a="http://schemas.openxmlformats.org/drawingml/2006/main" xmlns:r="http://schemas.openxmlformats.org/officeDocument/2006/relationships" xmlns:p="http://schemas.openxmlformats.org/presentationml/2006/main">
+  <p:cSld>
+    <p:spTree>
+      <p:nvGrpSpPr>
+        <p:cNvPr id="1" name=""/>
+        <p:cNvGrpSpPr/>
+        <p:nvPr/>
+      </p:nvGrpSpPr>
+      <p:grpSpPr>
+        <a:xfrm>
+          <a:off x="0" y="0"/>
+          <a:ext cx="0" cy="0"/>
+          <a:chOff x="0" y="0"/>
+          <a:chExt cx="0" cy="0"/>
+        </a:xfrm>
+      </p:grpSpPr>
+      <p:sp>
+        <p:nvSpPr>
+          <p:cNvPr id="2" name="Title 1"/>
+          <p:cNvSpPr>
+            <a:spLocks noGrp="1"/>
+          </p:cNvSpPr>
+          <p:nvPr>
+            <p:ph type="title"/>
+          </p:nvPr>
+        </p:nvSpPr>
+        <p:spPr/>
+        <p:txBody>
+          <a:bodyPr>
+            <a:normAutofit/>
+          </a:bodyPr>
+          <a:lstStyle/>
+          <a:p>
+            <a:r>
+              <a:rPr lang="en-US" sz="3200" dirty="0" smtClean="0">
+                <a:solidFill>
+                  <a:srgbClr val="800000"/>
+                </a:solidFill>
+              </a:rPr>
+              <a:t>Shortcomings of </a:t>
+            </a:r>
+            <a:r>
+              <a:rPr lang="en-US" sz="3200" dirty="0" err="1" smtClean="0">
+                <a:solidFill>
+                  <a:srgbClr val="800000"/>
+                </a:solidFill>
+              </a:rPr>
+              <a:t>DeNovo</a:t>
+            </a:r>
+            <a:r>
+              <a:rPr lang="en-US" sz="3200" dirty="0" smtClean="0">
+                <a:solidFill>
+                  <a:srgbClr val="800000"/>
+                </a:solidFill>
+              </a:rPr>
+              <a:t> Annotation</a:t>
+            </a:r>
+            <a:endParaRPr lang="en-US" sz="3200" dirty="0">
+              <a:solidFill>
+                <a:srgbClr val="800000"/>
+              </a:solidFill>
+            </a:endParaRPr>
+          </a:p>
+        </p:txBody>
+      </p:sp>
+      <p:pic>
+        <p:nvPicPr>
+          <p:cNvPr id="6" name="Picture 5" descr="discovery_and_annotation.png"/>
+          <p:cNvPicPr>
+            <a:picLocks noChangeAspect="1"/>
+          </p:cNvPicPr>
+          <p:nvPr/>
+        </p:nvPicPr>
+        <p:blipFill rotWithShape="1">
+          <a:blip r:embed="rId2">
+            <a:extLst>
+              <a:ext uri="{28A0092B-C50C-407E-A947-70E740481C1C}">
+                <a14:useLocalDpi xmlns:a14="http://schemas.microsoft.com/office/drawing/2010/main" val="0"/>
+              </a:ext>
+            </a:extLst>
+          </a:blip>
+          <a:srcRect t="70802"/>
+          <a:stretch/>
+        </p:blipFill>
+        <p:spPr>
+          <a:xfrm>
+            <a:off x="457199" y="1633220"/>
+            <a:ext cx="6810569" cy="2138213"/>
+          </a:xfrm>
+          <a:prstGeom prst="rect">
+            <a:avLst/>
+          </a:prstGeom>
+        </p:spPr>
+      </p:pic>
+      <p:sp>
+        <p:nvSpPr>
+          <p:cNvPr id="7" name="TextBox 6"/>
+          <p:cNvSpPr txBox="1"/>
+          <p:nvPr/>
+        </p:nvSpPr>
+        <p:spPr>
+          <a:xfrm>
+            <a:off x="596722" y="4130864"/>
+            <a:ext cx="6961757" cy="2031325"/>
+          </a:xfrm>
+          <a:prstGeom prst="rect">
+            <a:avLst/>
+          </a:prstGeom>
+          <a:noFill/>
+        </p:spPr>
+        <p:txBody>
+          <a:bodyPr wrap="square" rtlCol="0">
+            <a:spAutoFit/>
+          </a:bodyPr>
+          <a:lstStyle/>
+          <a:p>
+            <a:pPr marL="285750" indent="-285750">
+              <a:buFont typeface="Arial"/>
+              <a:buChar char="•"/>
+            </a:pPr>
+            <a:r>
+              <a:rPr lang="en-US" dirty="0" smtClean="0"/>
+              <a:t>Different De-Novo methods assign a </a:t>
+            </a:r>
+            <a:r>
+              <a:rPr lang="en-US" dirty="0" err="1" smtClean="0"/>
+              <a:t>differnt</a:t>
+            </a:r>
+            <a:r>
+              <a:rPr lang="en-US" dirty="0" smtClean="0"/>
+              <a:t> fraction of the genome to repeats</a:t>
+            </a:r>
+          </a:p>
+          <a:p>
+            <a:endParaRPr lang="en-US" dirty="0" smtClean="0"/>
+          </a:p>
+          <a:p>
+            <a:pPr marL="285750" indent="-285750">
+              <a:buFont typeface="Arial"/>
+              <a:buChar char="•"/>
+            </a:pPr>
+            <a:r>
+              <a:rPr lang="en-US" dirty="0" smtClean="0"/>
+              <a:t>Methods based on assembled genomes assign a higher fraction, but are more prone to false positives</a:t>
+            </a:r>
+          </a:p>
+          <a:p>
+            <a:pPr marL="285750" indent="-285750">
+              <a:buFont typeface="Arial"/>
+              <a:buChar char="•"/>
+            </a:pPr>
+            <a:r>
+              <a:rPr lang="en-US" dirty="0" smtClean="0"/>
+              <a:t>Methods based on raw reads give more conservative numbers</a:t>
+            </a:r>
+          </a:p>
+          <a:p>
+            <a:pPr marL="285750" indent="-285750">
+              <a:buFont typeface="Arial"/>
+              <a:buChar char="•"/>
+            </a:pPr>
+            <a:r>
+              <a:rPr lang="en-US" dirty="0" smtClean="0">
+                <a:solidFill>
+                  <a:srgbClr val="FF6600"/>
+                </a:solidFill>
+              </a:rPr>
+              <a:t>Some systematic benchmarking of the different tools is needed</a:t>
+            </a:r>
+          </a:p>
+        </p:txBody>
+      </p:sp>
+      <p:sp>
+        <p:nvSpPr>
+          <p:cNvPr id="8" name="TextBox 7"/>
+          <p:cNvSpPr txBox="1"/>
+          <p:nvPr/>
+        </p:nvSpPr>
+        <p:spPr>
+          <a:xfrm>
+            <a:off x="703825" y="1254559"/>
+            <a:ext cx="8216403" cy="338554"/>
+          </a:xfrm>
+          <a:prstGeom prst="rect">
+            <a:avLst/>
+          </a:prstGeom>
+          <a:noFill/>
+        </p:spPr>
+        <p:txBody>
+          <a:bodyPr wrap="square" rtlCol="0">
+            <a:spAutoFit/>
+          </a:bodyPr>
+          <a:lstStyle/>
+          <a:p>
+            <a:pPr algn="ctr"/>
+            <a:r>
+              <a:rPr lang="en-US" sz="1600" dirty="0" smtClean="0">
+                <a:solidFill>
+                  <a:srgbClr val="800000"/>
+                </a:solidFill>
+              </a:rPr>
+              <a:t>Comparing the fraction of the genome assigned to repeats by different methods</a:t>
+            </a:r>
+            <a:endParaRPr lang="en-US" sz="1600" dirty="0">
+              <a:solidFill>
+                <a:srgbClr val="800000"/>
+              </a:solidFill>
+            </a:endParaRPr>
+          </a:p>
+        </p:txBody>
+      </p:sp>
+    </p:spTree>
+    <p:extLst>
+      <p:ext uri="{BB962C8B-B14F-4D97-AF65-F5344CB8AC3E}">
+        <p14:creationId xmlns:p14="http://schemas.microsoft.com/office/powerpoint/2010/main" val="1777455562"/>
+      </p:ext>
+    </p:extLst>
+  </p:cSld>
+  <p:clrMapOvr>
+    <a:masterClrMapping/>
+  </p:clrMapOvr>
+  <p:timing>
+    <p:tnLst>
+      <p:par>
+        <p:cTn xmlns:p14="http://schemas.microsoft.com/office/powerpoint/2010/main" id="1" dur="indefinite" restart="never" nodeType="tmRoot"/>
+      </p:par>
+    </p:tnLst>
+  </p:timing>
+</p:sld>
+</file>
+
+<file path=ppt/slides/slide15.xml><?xml version="1.0" encoding="utf-8"?>
+<p:sld xmlns:a="http://schemas.openxmlformats.org/drawingml/2006/main" xmlns:r="http://schemas.openxmlformats.org/officeDocument/2006/relationships" xmlns:p="http://schemas.openxmlformats.org/presentationml/2006/main">
+  <p:cSld>
+    <p:spTree>
+      <p:nvGrpSpPr>
+        <p:cNvPr id="1" name=""/>
+        <p:cNvGrpSpPr/>
+        <p:nvPr/>
+      </p:nvGrpSpPr>
+      <p:grpSpPr>
+        <a:xfrm>
+          <a:off x="0" y="0"/>
+          <a:ext cx="0" cy="0"/>
+          <a:chOff x="0" y="0"/>
+          <a:chExt cx="0" cy="0"/>
+        </a:xfrm>
+      </p:grpSpPr>
+      <p:sp>
+        <p:nvSpPr>
+          <p:cNvPr id="2" name="Title 1"/>
+          <p:cNvSpPr>
+            <a:spLocks noGrp="1"/>
+          </p:cNvSpPr>
+          <p:nvPr>
+            <p:ph type="title"/>
+          </p:nvPr>
+        </p:nvSpPr>
+        <p:spPr/>
+        <p:txBody>
+          <a:bodyPr>
+            <a:normAutofit/>
+          </a:bodyPr>
+          <a:lstStyle/>
+          <a:p>
+            <a:r>
+              <a:rPr lang="en-US" sz="3200" dirty="0" smtClean="0">
+                <a:solidFill>
+                  <a:srgbClr val="800000"/>
+                </a:solidFill>
+              </a:rPr>
+              <a:t>Tools to detect TE polymorphisms</a:t>
+            </a:r>
+            <a:endParaRPr lang="en-US" sz="3200" dirty="0">
+              <a:solidFill>
+                <a:srgbClr val="800000"/>
+              </a:solidFill>
+            </a:endParaRPr>
+          </a:p>
+        </p:txBody>
+      </p:sp>
+      <p:sp>
+        <p:nvSpPr>
+          <p:cNvPr id="3" name="Content Placeholder 2"/>
+          <p:cNvSpPr>
+            <a:spLocks noGrp="1"/>
+          </p:cNvSpPr>
+          <p:nvPr>
+            <p:ph idx="1"/>
+          </p:nvPr>
+        </p:nvSpPr>
+        <p:spPr>
+          <a:xfrm>
+            <a:off x="457200" y="1223960"/>
+            <a:ext cx="8229600" cy="1682945"/>
+          </a:xfrm>
+        </p:spPr>
+        <p:txBody>
+          <a:bodyPr>
+            <a:normAutofit/>
+          </a:bodyPr>
+          <a:lstStyle/>
+          <a:p>
+            <a:r>
+              <a:rPr lang="en-US" sz="1800" dirty="0" smtClean="0"/>
+              <a:t>Lets say we have an annotated reference genome and all its mobile (TE) elements</a:t>
+            </a:r>
+          </a:p>
+          <a:p>
+            <a:r>
+              <a:rPr lang="en-US" sz="1800" dirty="0" smtClean="0">
+                <a:solidFill>
+                  <a:srgbClr val="660066"/>
+                </a:solidFill>
+              </a:rPr>
+              <a:t>How do we detect new polymorphisms (insertions of TEs) in a new individual whom we sequence?</a:t>
+            </a:r>
+          </a:p>
+          <a:p>
+            <a:r>
+              <a:rPr lang="en-US" sz="1800" dirty="0" smtClean="0">
+                <a:solidFill>
+                  <a:srgbClr val="660066"/>
+                </a:solidFill>
+              </a:rPr>
+              <a:t>Similar to SNPs, polymorphic insertions lead to different phenotypes such as </a:t>
+            </a:r>
+            <a:r>
+              <a:rPr lang="en-US" sz="1800" dirty="0" err="1" smtClean="0">
+                <a:solidFill>
+                  <a:srgbClr val="660066"/>
+                </a:solidFill>
+              </a:rPr>
+              <a:t>Rett’s</a:t>
+            </a:r>
+            <a:r>
+              <a:rPr lang="en-US" sz="1800" dirty="0" smtClean="0">
+                <a:solidFill>
+                  <a:srgbClr val="660066"/>
+                </a:solidFill>
+              </a:rPr>
+              <a:t> syndrome, </a:t>
+            </a:r>
+            <a:r>
+              <a:rPr lang="en-US" sz="1800" dirty="0" err="1" smtClean="0">
+                <a:solidFill>
+                  <a:srgbClr val="660066"/>
+                </a:solidFill>
+              </a:rPr>
+              <a:t>Haemophilia</a:t>
+            </a:r>
+            <a:endParaRPr lang="en-US" sz="1800" dirty="0">
+              <a:solidFill>
+                <a:srgbClr val="660066"/>
+              </a:solidFill>
+            </a:endParaRPr>
+          </a:p>
+        </p:txBody>
+      </p:sp>
+      <p:pic>
+        <p:nvPicPr>
+          <p:cNvPr id="4" name="Picture 3" descr="mapping_polymorphic_insertions.png"/>
+          <p:cNvPicPr>
+            <a:picLocks noChangeAspect="1"/>
+          </p:cNvPicPr>
+          <p:nvPr/>
+        </p:nvPicPr>
+        <p:blipFill>
+          <a:blip r:embed="rId2">
+            <a:extLst>
+              <a:ext uri="{28A0092B-C50C-407E-A947-70E740481C1C}">
+                <a14:useLocalDpi xmlns:a14="http://schemas.microsoft.com/office/drawing/2010/main" val="0"/>
+              </a:ext>
+            </a:extLst>
+          </a:blip>
+          <a:stretch>
+            <a:fillRect/>
+          </a:stretch>
+        </p:blipFill>
+        <p:spPr>
+          <a:xfrm>
+            <a:off x="457200" y="2906905"/>
+            <a:ext cx="3961465" cy="3103093"/>
+          </a:xfrm>
+          <a:prstGeom prst="rect">
+            <a:avLst/>
+          </a:prstGeom>
+        </p:spPr>
+      </p:pic>
+      <p:sp>
+        <p:nvSpPr>
+          <p:cNvPr id="5" name="TextBox 4"/>
+          <p:cNvSpPr txBox="1"/>
+          <p:nvPr/>
+        </p:nvSpPr>
+        <p:spPr>
+          <a:xfrm>
+            <a:off x="4697273" y="2616215"/>
+            <a:ext cx="3989527" cy="4801315"/>
+          </a:xfrm>
+          <a:prstGeom prst="rect">
+            <a:avLst/>
+          </a:prstGeom>
+          <a:noFill/>
+        </p:spPr>
+        <p:txBody>
+          <a:bodyPr wrap="square" rtlCol="0">
+            <a:spAutoFit/>
+          </a:bodyPr>
+          <a:lstStyle/>
+          <a:p>
+            <a:pPr marL="285750" indent="-285750">
+              <a:buFont typeface="Arial"/>
+              <a:buChar char="•"/>
+            </a:pPr>
+            <a:r>
+              <a:rPr lang="en-US" dirty="0" smtClean="0"/>
+              <a:t>When we have short reads, we can look for SR or DRP</a:t>
+            </a:r>
+          </a:p>
+          <a:p>
+            <a:pPr marL="285750" indent="-285750">
+              <a:buFont typeface="Arial"/>
+              <a:buChar char="•"/>
+            </a:pPr>
+            <a:r>
+              <a:rPr lang="en-US" dirty="0" smtClean="0">
+                <a:solidFill>
+                  <a:srgbClr val="008000"/>
+                </a:solidFill>
+              </a:rPr>
+              <a:t>SR: Split </a:t>
+            </a:r>
+            <a:r>
+              <a:rPr lang="en-US" dirty="0" err="1" smtClean="0">
+                <a:solidFill>
+                  <a:srgbClr val="008000"/>
+                </a:solidFill>
+              </a:rPr>
+              <a:t>Reads</a:t>
+            </a:r>
+            <a:r>
+              <a:rPr lang="en-US" dirty="0" err="1" smtClean="0">
+                <a:solidFill>
+                  <a:srgbClr val="800000"/>
+                </a:solidFill>
+              </a:rPr>
+              <a:t>,</a:t>
+            </a:r>
+            <a:r>
+              <a:rPr lang="en-US" dirty="0" err="1" smtClean="0"/>
+              <a:t>part</a:t>
+            </a:r>
+            <a:r>
+              <a:rPr lang="en-US" dirty="0" smtClean="0"/>
+              <a:t> of the read maps to ref genome, rest maps to a distant TE</a:t>
+            </a:r>
+          </a:p>
+          <a:p>
+            <a:pPr marL="285750" indent="-285750">
+              <a:buFont typeface="Arial"/>
+              <a:buChar char="•"/>
+            </a:pPr>
+            <a:r>
+              <a:rPr lang="en-US" dirty="0" smtClean="0">
+                <a:solidFill>
+                  <a:srgbClr val="008000"/>
+                </a:solidFill>
+              </a:rPr>
+              <a:t>DRP: Discordant read Pair</a:t>
+            </a:r>
+            <a:r>
+              <a:rPr lang="en-US" dirty="0" smtClean="0"/>
+              <a:t>: If we have paired end sequencing and different ends map to very distant genomic locations</a:t>
+            </a:r>
+          </a:p>
+          <a:p>
+            <a:pPr marL="285750" indent="-285750">
+              <a:buFont typeface="Arial"/>
+              <a:buChar char="•"/>
+            </a:pPr>
+            <a:r>
+              <a:rPr lang="en-US" dirty="0" smtClean="0"/>
+              <a:t>We  can also use known </a:t>
+            </a:r>
+            <a:r>
+              <a:rPr lang="en-US" dirty="0" smtClean="0">
+                <a:solidFill>
+                  <a:srgbClr val="660066"/>
+                </a:solidFill>
+              </a:rPr>
+              <a:t>TE motifs like known LTRs or Poly A tails</a:t>
+            </a:r>
+            <a:r>
+              <a:rPr lang="en-US" dirty="0" smtClean="0"/>
+              <a:t> to identify insertions of TEs</a:t>
+            </a:r>
+          </a:p>
+          <a:p>
+            <a:pPr marL="285750" indent="-285750">
+              <a:buFont typeface="Arial"/>
+              <a:buChar char="•"/>
+            </a:pPr>
+            <a:r>
+              <a:rPr lang="en-US" dirty="0" smtClean="0"/>
+              <a:t>With </a:t>
+            </a:r>
+            <a:r>
+              <a:rPr lang="en-US" dirty="0" err="1" smtClean="0"/>
+              <a:t>PacBio</a:t>
+            </a:r>
+            <a:r>
+              <a:rPr lang="en-US" dirty="0" smtClean="0"/>
+              <a:t> long reads, it is much simpler as a read can span an entire TE (ex. </a:t>
+            </a:r>
+            <a:r>
+              <a:rPr lang="en-US" dirty="0" err="1" smtClean="0"/>
+              <a:t>LoRTE</a:t>
+            </a:r>
+            <a:r>
+              <a:rPr lang="en-US" dirty="0" smtClean="0"/>
+              <a:t>)</a:t>
+            </a:r>
+          </a:p>
+          <a:p>
+            <a:endParaRPr lang="en-US" dirty="0">
+              <a:solidFill>
+                <a:srgbClr val="800000"/>
+              </a:solidFill>
+            </a:endParaRPr>
+          </a:p>
+          <a:p>
+            <a:endParaRPr lang="en-US" dirty="0"/>
+          </a:p>
+        </p:txBody>
+      </p:sp>
+      <p:sp>
+        <p:nvSpPr>
+          <p:cNvPr id="6" name="TextBox 5"/>
+          <p:cNvSpPr txBox="1"/>
+          <p:nvPr/>
+        </p:nvSpPr>
+        <p:spPr>
+          <a:xfrm>
+            <a:off x="457200" y="6040597"/>
+            <a:ext cx="3961465" cy="830997"/>
+          </a:xfrm>
+          <a:prstGeom prst="rect">
+            <a:avLst/>
+          </a:prstGeom>
+          <a:noFill/>
+        </p:spPr>
+        <p:txBody>
+          <a:bodyPr wrap="square" rtlCol="0">
+            <a:spAutoFit/>
+          </a:bodyPr>
+          <a:lstStyle/>
+          <a:p>
+            <a:r>
+              <a:rPr lang="en-US" sz="1600" b="1" i="1" dirty="0" smtClean="0">
+                <a:solidFill>
+                  <a:srgbClr val="660066"/>
+                </a:solidFill>
+              </a:rPr>
+              <a:t>Generally tools such as NGS TE mapper use a combination of SR, DRP and TE motifs to identify polymorphic regions</a:t>
+            </a:r>
+            <a:endParaRPr lang="en-US" sz="1600" b="1" i="1" dirty="0">
+              <a:solidFill>
+                <a:srgbClr val="660066"/>
+              </a:solidFill>
+            </a:endParaRPr>
+          </a:p>
+        </p:txBody>
+      </p:sp>
+    </p:spTree>
+    <p:extLst>
+      <p:ext uri="{BB962C8B-B14F-4D97-AF65-F5344CB8AC3E}">
+        <p14:creationId xmlns:p14="http://schemas.microsoft.com/office/powerpoint/2010/main" val="2841201512"/>
+      </p:ext>
+    </p:extLst>
+  </p:cSld>
+  <p:clrMapOvr>
+    <a:masterClrMapping/>
+  </p:clrMapOvr>
+  <p:timing>
+    <p:tnLst>
+      <p:par>
+        <p:cTn xmlns:p14="http://schemas.microsoft.com/office/powerpoint/2010/main" id="1" dur="indefinite" restart="never" nodeType="tmRoot"/>
+      </p:par>
+    </p:tnLst>
+  </p:timing>
+</p:sld>
+</file>
+
+<file path=ppt/slides/slide16.xml><?xml version="1.0" encoding="utf-8"?>
+<p:sld xmlns:a="http://schemas.openxmlformats.org/drawingml/2006/main" xmlns:r="http://schemas.openxmlformats.org/officeDocument/2006/relationships" xmlns:p="http://schemas.openxmlformats.org/presentationml/2006/main">
+  <p:cSld>
+    <p:spTree>
+      <p:nvGrpSpPr>
+        <p:cNvPr id="1" name=""/>
+        <p:cNvGrpSpPr/>
+        <p:nvPr/>
+      </p:nvGrpSpPr>
+      <p:grpSpPr>
+        <a:xfrm>
+          <a:off x="0" y="0"/>
+          <a:ext cx="0" cy="0"/>
+          <a:chOff x="0" y="0"/>
+          <a:chExt cx="0" cy="0"/>
+        </a:xfrm>
+      </p:grpSpPr>
+      <p:sp>
+        <p:nvSpPr>
+          <p:cNvPr id="2" name="Title 1"/>
+          <p:cNvSpPr>
+            <a:spLocks noGrp="1"/>
+          </p:cNvSpPr>
+          <p:nvPr>
+            <p:ph type="title"/>
+          </p:nvPr>
+        </p:nvSpPr>
+        <p:spPr/>
+        <p:txBody>
+          <a:bodyPr/>
+          <a:lstStyle/>
+          <a:p>
+            <a:endParaRPr lang="en-US"/>
+          </a:p>
+        </p:txBody>
+      </p:sp>
+      <p:sp>
+        <p:nvSpPr>
+          <p:cNvPr id="3" name="Content Placeholder 2"/>
+          <p:cNvSpPr>
+            <a:spLocks noGrp="1"/>
+          </p:cNvSpPr>
+          <p:nvPr>
+            <p:ph idx="1"/>
+          </p:nvPr>
+        </p:nvSpPr>
+        <p:spPr/>
+        <p:txBody>
+          <a:bodyPr/>
+          <a:lstStyle/>
+          <a:p>
+            <a:endParaRPr lang="en-US"/>
+          </a:p>
+        </p:txBody>
+      </p:sp>
+    </p:spTree>
+    <p:extLst>
+      <p:ext uri="{BB962C8B-B14F-4D97-AF65-F5344CB8AC3E}">
+        <p14:creationId xmlns:p14="http://schemas.microsoft.com/office/powerpoint/2010/main" val="2862870961"/>
+      </p:ext>
+    </p:extLst>
+  </p:cSld>
+  <p:clrMapOvr>
+    <a:masterClrMapping/>
+  </p:clrMapOvr>
 </p:sld>
 </file>
 
@@ -3298,6 +5336,13 @@
   <p:clrMapOvr>
     <a:masterClrMapping/>
   </p:clrMapOvr>
+  <p:timing>
+    <p:tnLst>
+      <p:par>
+        <p:cTn xmlns:p14="http://schemas.microsoft.com/office/powerpoint/2010/main" id="1" dur="indefinite" restart="never" nodeType="tmRoot"/>
+      </p:par>
+    </p:tnLst>
+  </p:timing>
 </p:sld>
 </file>
 
@@ -3361,56 +5406,77 @@
             <p:ph idx="1"/>
           </p:nvPr>
         </p:nvSpPr>
-        <p:spPr/>
-        <p:txBody>
-          <a:bodyPr/>
-          <a:lstStyle/>
-          <a:p>
-            <a:r>
-              <a:rPr lang="en-US" dirty="0" smtClean="0"/>
-              <a:t>explain relation to </a:t>
-            </a:r>
-            <a:r>
-              <a:rPr lang="en-US" dirty="0" err="1" smtClean="0"/>
-              <a:t>viruses,parasites,selfish</a:t>
-            </a:r>
-            <a:r>
-              <a:rPr lang="en-US" dirty="0" smtClean="0"/>
-              <a:t> elements</a:t>
-            </a:r>
-          </a:p>
-          <a:p>
-            <a:r>
-              <a:rPr lang="en-US" dirty="0" smtClean="0"/>
-              <a:t>how they played a role in </a:t>
-            </a:r>
-            <a:r>
-              <a:rPr lang="en-US" dirty="0" err="1" smtClean="0"/>
-              <a:t>eukaryokatic</a:t>
-            </a:r>
-            <a:r>
-              <a:rPr lang="en-US" dirty="0" smtClean="0"/>
-              <a:t> genomic expansions</a:t>
-            </a:r>
-          </a:p>
-          <a:p>
-            <a:r>
-              <a:rPr lang="en-US" dirty="0" smtClean="0"/>
-              <a:t>they have been domesticated and now sometimes play useful roles</a:t>
-            </a:r>
-          </a:p>
-          <a:p>
-            <a:r>
-              <a:rPr lang="en-US" dirty="0" smtClean="0"/>
-              <a:t>random </a:t>
-            </a:r>
-            <a:r>
-              <a:rPr lang="en-US" dirty="0" err="1" smtClean="0"/>
-              <a:t>transpostions</a:t>
-            </a:r>
-            <a:r>
-              <a:rPr lang="en-US" dirty="0" smtClean="0"/>
-              <a:t> can be dangerous and cause cancers</a:t>
+        <p:spPr>
+          <a:xfrm>
+            <a:off x="457200" y="1600200"/>
+            <a:ext cx="8229600" cy="5070381"/>
+          </a:xfrm>
+        </p:spPr>
+        <p:txBody>
+          <a:bodyPr>
+            <a:normAutofit lnSpcReduction="10000"/>
+          </a:bodyPr>
+          <a:lstStyle/>
+          <a:p>
+            <a:r>
+              <a:rPr lang="en-US" sz="2400" dirty="0" smtClean="0"/>
+              <a:t>Transposable Elements are parts of the genome that were originally parasitic elements and got integrated into it</a:t>
+            </a:r>
+          </a:p>
+          <a:p>
+            <a:r>
+              <a:rPr lang="en-US" sz="2400" dirty="0" smtClean="0"/>
+              <a:t>They are closely related to retroviruses(the </a:t>
+            </a:r>
+            <a:r>
+              <a:rPr lang="en-US" sz="2400" dirty="0" err="1" smtClean="0"/>
+              <a:t>retrotransposons</a:t>
+            </a:r>
+            <a:r>
+              <a:rPr lang="en-US" sz="2400" dirty="0" smtClean="0"/>
+              <a:t>), and are primarily selfish elements that use a cells replication machinery to propagate themselves</a:t>
+            </a:r>
+          </a:p>
+          <a:p>
+            <a:r>
+              <a:rPr lang="en-US" sz="2400" dirty="0" smtClean="0"/>
+              <a:t>TEs have been responsible for the massive expansion of Genome sizes of Eukaryotes, and account for a large fraction of the genome(</a:t>
+            </a:r>
+            <a:r>
+              <a:rPr lang="en-US" sz="2400" dirty="0" smtClean="0">
+                <a:solidFill>
+                  <a:srgbClr val="FF0000"/>
+                </a:solidFill>
+              </a:rPr>
+              <a:t>as high as 95% in plants</a:t>
+            </a:r>
+            <a:r>
+              <a:rPr lang="en-US" sz="2400" dirty="0" smtClean="0"/>
+              <a:t>)</a:t>
+            </a:r>
+          </a:p>
+          <a:p>
+            <a:r>
+              <a:rPr lang="en-US" sz="2400" dirty="0" smtClean="0"/>
+              <a:t>Eukaryotic genomes have needed to develop various </a:t>
+            </a:r>
+            <a:r>
+              <a:rPr lang="en-US" sz="2400" dirty="0" smtClean="0">
+                <a:solidFill>
+                  <a:srgbClr val="FF0000"/>
+                </a:solidFill>
+              </a:rPr>
+              <a:t>repression mechanisms </a:t>
+            </a:r>
+            <a:r>
+              <a:rPr lang="en-US" sz="2400" dirty="0" smtClean="0"/>
+              <a:t>to prevent TEs from disrupting normal cell function, like DNA methylation of the promoters of TEs</a:t>
+            </a:r>
+          </a:p>
+          <a:p>
+            <a:r>
+              <a:rPr lang="en-US" sz="2400" dirty="0" smtClean="0"/>
+              <a:t>Yet some TE families are still active, and are responsible for new insertions into the genome</a:t>
             </a:r>
           </a:p>
         </p:txBody>
@@ -3425,10 +5491,317 @@
   <p:clrMapOvr>
     <a:masterClrMapping/>
   </p:clrMapOvr>
+  <p:timing>
+    <p:tnLst>
+      <p:par>
+        <p:cTn xmlns:p14="http://schemas.microsoft.com/office/powerpoint/2010/main" id="1" dur="indefinite" restart="never" nodeType="tmRoot"/>
+      </p:par>
+    </p:tnLst>
+  </p:timing>
 </p:sld>
 </file>
 
 <file path=ppt/slides/slide4.xml><?xml version="1.0" encoding="utf-8"?>
+<p:sld xmlns:a="http://schemas.openxmlformats.org/drawingml/2006/main" xmlns:r="http://schemas.openxmlformats.org/officeDocument/2006/relationships" xmlns:p="http://schemas.openxmlformats.org/presentationml/2006/main">
+  <p:cSld>
+    <p:spTree>
+      <p:nvGrpSpPr>
+        <p:cNvPr id="1" name=""/>
+        <p:cNvGrpSpPr/>
+        <p:nvPr/>
+      </p:nvGrpSpPr>
+      <p:grpSpPr>
+        <a:xfrm>
+          <a:off x="0" y="0"/>
+          <a:ext cx="0" cy="0"/>
+          <a:chOff x="0" y="0"/>
+          <a:chExt cx="0" cy="0"/>
+        </a:xfrm>
+      </p:grpSpPr>
+      <p:sp>
+        <p:nvSpPr>
+          <p:cNvPr id="2" name="Title 1"/>
+          <p:cNvSpPr>
+            <a:spLocks noGrp="1"/>
+          </p:cNvSpPr>
+          <p:nvPr>
+            <p:ph type="title"/>
+          </p:nvPr>
+        </p:nvSpPr>
+        <p:spPr/>
+        <p:txBody>
+          <a:bodyPr>
+            <a:normAutofit/>
+          </a:bodyPr>
+          <a:lstStyle/>
+          <a:p>
+            <a:r>
+              <a:rPr lang="en-US" sz="3200" dirty="0" smtClean="0"/>
+              <a:t>How do TEs affect the genome functionally?</a:t>
+            </a:r>
+            <a:endParaRPr lang="en-US" sz="3200" dirty="0"/>
+          </a:p>
+        </p:txBody>
+      </p:sp>
+      <p:sp>
+        <p:nvSpPr>
+          <p:cNvPr id="3" name="Content Placeholder 2"/>
+          <p:cNvSpPr>
+            <a:spLocks noGrp="1"/>
+          </p:cNvSpPr>
+          <p:nvPr>
+            <p:ph idx="1"/>
+          </p:nvPr>
+        </p:nvSpPr>
+        <p:spPr>
+          <a:xfrm>
+            <a:off x="426600" y="1285158"/>
+            <a:ext cx="3918760" cy="5308926"/>
+          </a:xfrm>
+        </p:spPr>
+        <p:txBody>
+          <a:bodyPr>
+            <a:normAutofit lnSpcReduction="10000"/>
+          </a:bodyPr>
+          <a:lstStyle/>
+          <a:p>
+            <a:r>
+              <a:rPr lang="en-US" sz="2000" dirty="0" smtClean="0"/>
+              <a:t>In Humans the LINE1 family (</a:t>
+            </a:r>
+            <a:r>
+              <a:rPr lang="en-US" sz="2000" dirty="0" smtClean="0">
+                <a:solidFill>
+                  <a:srgbClr val="008000"/>
+                </a:solidFill>
+              </a:rPr>
+              <a:t>1 </a:t>
+            </a:r>
+            <a:r>
+              <a:rPr lang="en-US" sz="2000" dirty="0" err="1" smtClean="0">
+                <a:solidFill>
+                  <a:srgbClr val="008000"/>
+                </a:solidFill>
+              </a:rPr>
+              <a:t>germline</a:t>
+            </a:r>
+            <a:r>
+              <a:rPr lang="en-US" sz="2000" dirty="0" smtClean="0">
+                <a:solidFill>
+                  <a:srgbClr val="008000"/>
+                </a:solidFill>
+              </a:rPr>
+              <a:t> insertion in 95 births</a:t>
+            </a:r>
+            <a:r>
+              <a:rPr lang="en-US" sz="2000" dirty="0" smtClean="0"/>
+              <a:t>) and the ALU,SVA (</a:t>
+            </a:r>
+            <a:r>
+              <a:rPr lang="en-US" sz="2000" dirty="0" smtClean="0">
+                <a:solidFill>
+                  <a:srgbClr val="008000"/>
+                </a:solidFill>
+              </a:rPr>
+              <a:t>1 </a:t>
+            </a:r>
+            <a:r>
+              <a:rPr lang="en-US" sz="2000" dirty="0" err="1" smtClean="0">
+                <a:solidFill>
+                  <a:srgbClr val="008000"/>
+                </a:solidFill>
+              </a:rPr>
+              <a:t>germline</a:t>
+            </a:r>
+            <a:r>
+              <a:rPr lang="en-US" sz="2000" dirty="0" smtClean="0">
+                <a:solidFill>
+                  <a:srgbClr val="008000"/>
+                </a:solidFill>
+              </a:rPr>
+              <a:t> insertion in 21 births</a:t>
+            </a:r>
+            <a:r>
+              <a:rPr lang="en-US" sz="2000" dirty="0" smtClean="0"/>
+              <a:t>) families which are Class1 TEs are still active</a:t>
+            </a:r>
+          </a:p>
+          <a:p>
+            <a:r>
+              <a:rPr lang="en-US" sz="2000" dirty="0" smtClean="0">
+                <a:solidFill>
+                  <a:srgbClr val="FF0000"/>
+                </a:solidFill>
+              </a:rPr>
+              <a:t>Are they Dangerous? Possibly :</a:t>
+            </a:r>
+          </a:p>
+          <a:p>
+            <a:r>
+              <a:rPr lang="en-US" sz="2000" dirty="0" smtClean="0"/>
+              <a:t>They can disrupt gene function near an insertion and are documented to cause 124 different diseases</a:t>
+            </a:r>
+            <a:r>
+              <a:rPr lang="en-US" sz="2000" baseline="30000" dirty="0" smtClean="0"/>
+              <a:t>1</a:t>
+            </a:r>
+          </a:p>
+          <a:p>
+            <a:r>
+              <a:rPr lang="en-US" sz="2000" dirty="0" smtClean="0">
+                <a:solidFill>
+                  <a:srgbClr val="008000"/>
+                </a:solidFill>
+              </a:rPr>
+              <a:t>However, a lot of TE’s have been “domesticated” as well</a:t>
+            </a:r>
+            <a:r>
+              <a:rPr lang="en-US" sz="2000" dirty="0" smtClean="0"/>
+              <a:t>, and serve </a:t>
+            </a:r>
+            <a:r>
+              <a:rPr lang="en-US" sz="2000" dirty="0" err="1" smtClean="0"/>
+              <a:t>cis</a:t>
+            </a:r>
+            <a:r>
+              <a:rPr lang="en-US" sz="2000" dirty="0" smtClean="0"/>
+              <a:t>-regulatory roles. Half of open chromatin regions in mammals lie in TE derived sequences</a:t>
+            </a:r>
+          </a:p>
+          <a:p>
+            <a:endParaRPr lang="en-US" sz="2400" baseline="30000" dirty="0" smtClean="0"/>
+          </a:p>
+          <a:p>
+            <a:pPr marL="0" indent="0">
+              <a:buNone/>
+            </a:pPr>
+            <a:endParaRPr lang="en-US" sz="2400" baseline="30000" dirty="0" smtClean="0"/>
+          </a:p>
+          <a:p>
+            <a:endParaRPr lang="en-US" sz="2400" baseline="30000" dirty="0" smtClean="0"/>
+          </a:p>
+          <a:p>
+            <a:endParaRPr lang="en-US" sz="2400" dirty="0" smtClean="0"/>
+          </a:p>
+          <a:p>
+            <a:pPr marL="0" indent="0">
+              <a:buNone/>
+            </a:pPr>
+            <a:endParaRPr lang="en-US" sz="2400" dirty="0">
+              <a:solidFill>
+                <a:schemeClr val="tx1">
+                  <a:lumMod val="85000"/>
+                  <a:lumOff val="15000"/>
+                </a:schemeClr>
+              </a:solidFill>
+            </a:endParaRPr>
+          </a:p>
+        </p:txBody>
+      </p:sp>
+      <p:sp>
+        <p:nvSpPr>
+          <p:cNvPr id="4" name="Rectangle 3"/>
+          <p:cNvSpPr/>
+          <p:nvPr/>
+        </p:nvSpPr>
+        <p:spPr>
+          <a:xfrm>
+            <a:off x="304193" y="6396335"/>
+            <a:ext cx="5525321" cy="461665"/>
+          </a:xfrm>
+          <a:prstGeom prst="rect">
+            <a:avLst/>
+          </a:prstGeom>
+        </p:spPr>
+        <p:txBody>
+          <a:bodyPr wrap="square">
+            <a:spAutoFit/>
+          </a:bodyPr>
+          <a:lstStyle/>
+          <a:p>
+            <a:r>
+              <a:rPr lang="en-US" sz="1200" dirty="0" smtClean="0"/>
+              <a:t>1.)</a:t>
+            </a:r>
+            <a:r>
+              <a:rPr lang="en-US" sz="1200" dirty="0" err="1" smtClean="0"/>
+              <a:t>Hancks</a:t>
+            </a:r>
+            <a:r>
+              <a:rPr lang="en-US" sz="1200" dirty="0" smtClean="0"/>
+              <a:t>, D. C. &amp; </a:t>
+            </a:r>
+            <a:r>
+              <a:rPr lang="en-US" sz="1200" dirty="0" err="1" smtClean="0"/>
+              <a:t>Kazazian</a:t>
+            </a:r>
+            <a:r>
+              <a:rPr lang="en-US" sz="1200" dirty="0" smtClean="0"/>
+              <a:t>, H. H. Roles for </a:t>
+            </a:r>
+            <a:r>
+              <a:rPr lang="en-US" sz="1200" dirty="0" err="1" smtClean="0"/>
+              <a:t>retrotransposon</a:t>
+            </a:r>
+            <a:r>
+              <a:rPr lang="en-US" sz="1200" dirty="0" smtClean="0"/>
+              <a:t> insertions in human disease. Mob. DNA 7, 9 (2016)</a:t>
+            </a:r>
+            <a:endParaRPr lang="en-US" sz="1200" dirty="0"/>
+          </a:p>
+        </p:txBody>
+      </p:sp>
+      <p:pic>
+        <p:nvPicPr>
+          <p:cNvPr id="5" name="Picture 4" descr="TE_insertion_diseases.png"/>
+          <p:cNvPicPr>
+            <a:picLocks noChangeAspect="1"/>
+          </p:cNvPicPr>
+          <p:nvPr/>
+        </p:nvPicPr>
+        <p:blipFill>
+          <a:blip r:embed="rId2">
+            <a:extLst>
+              <a:ext uri="{28A0092B-C50C-407E-A947-70E740481C1C}">
+                <a14:useLocalDpi xmlns:a14="http://schemas.microsoft.com/office/drawing/2010/main" val="0"/>
+              </a:ext>
+            </a:extLst>
+          </a:blip>
+          <a:stretch>
+            <a:fillRect/>
+          </a:stretch>
+        </p:blipFill>
+        <p:spPr>
+          <a:xfrm>
+            <a:off x="5012368" y="1417638"/>
+            <a:ext cx="3643830" cy="3432303"/>
+          </a:xfrm>
+          <a:prstGeom prst="rect">
+            <a:avLst/>
+          </a:prstGeom>
+        </p:spPr>
+      </p:pic>
+    </p:spTree>
+    <p:extLst>
+      <p:ext uri="{BB962C8B-B14F-4D97-AF65-F5344CB8AC3E}">
+        <p14:creationId xmlns:p14="http://schemas.microsoft.com/office/powerpoint/2010/main" val="4148155920"/>
+      </p:ext>
+    </p:extLst>
+  </p:cSld>
+  <p:clrMapOvr>
+    <a:masterClrMapping/>
+  </p:clrMapOvr>
+  <p:timing>
+    <p:tnLst>
+      <p:par>
+        <p:cTn xmlns:p14="http://schemas.microsoft.com/office/powerpoint/2010/main" id="1" dur="indefinite" restart="never" nodeType="tmRoot"/>
+      </p:par>
+    </p:tnLst>
+  </p:timing>
+</p:sld>
+</file>
+
+<file path=ppt/slides/slide5.xml><?xml version="1.0" encoding="utf-8"?>
 <p:sld xmlns:a="http://schemas.openxmlformats.org/drawingml/2006/main" xmlns:r="http://schemas.openxmlformats.org/officeDocument/2006/relationships" xmlns:p="http://schemas.openxmlformats.org/presentationml/2006/main">
   <p:cSld>
     <p:spTree>
@@ -3517,7 +5890,7 @@
         <p:spPr>
           <a:xfrm>
             <a:off x="5232793" y="1540034"/>
-            <a:ext cx="3454007" cy="3539430"/>
+            <a:ext cx="3454007" cy="2554545"/>
           </a:xfrm>
           <a:prstGeom prst="rect">
             <a:avLst/>
@@ -3544,7 +5917,7 @@
                   <a:srgbClr val="FF6600"/>
                 </a:solidFill>
               </a:rPr>
-              <a:t> (RNA transposons)</a:t>
+              <a:t> (RNA transposons)Class 1:</a:t>
             </a:r>
           </a:p>
           <a:p>
@@ -3572,7 +5945,23 @@
                   <a:srgbClr val="FF6600"/>
                 </a:solidFill>
               </a:rPr>
-              <a:t>LTR TEs account for 95% of plant genomes! (and often active) They are inactive in humans and are 10% of the genome</a:t>
+              <a:t>LTR and non LTR </a:t>
+            </a:r>
+            <a:r>
+              <a:rPr lang="en-US" sz="1600" dirty="0" err="1" smtClean="0">
+                <a:solidFill>
+                  <a:srgbClr val="FF6600"/>
+                </a:solidFill>
+              </a:rPr>
+              <a:t>familes</a:t>
+            </a:r>
+            <a:r>
+              <a:rPr lang="en-US" sz="1600" dirty="0" smtClean="0">
+                <a:solidFill>
+                  <a:srgbClr val="FF6600"/>
+                </a:solidFill>
+              </a:rPr>
+              <a:t>(LINE,SINE)are the major subfamilies </a:t>
             </a:r>
           </a:p>
           <a:p>
@@ -3593,50 +5982,6 @@
                 <a:srgbClr val="FF6600"/>
               </a:solidFill>
             </a:endParaRPr>
-          </a:p>
-          <a:p>
-            <a:pPr marL="285750" indent="-285750">
-              <a:buFont typeface="Arial"/>
-              <a:buChar char="•"/>
-            </a:pPr>
-            <a:r>
-              <a:rPr lang="en-US" sz="1600" dirty="0" smtClean="0">
-                <a:solidFill>
-                  <a:srgbClr val="FF6600"/>
-                </a:solidFill>
-              </a:rPr>
-              <a:t>LINE1 family still active in humans, with 1 </a:t>
-            </a:r>
-            <a:r>
-              <a:rPr lang="en-US" sz="1600" dirty="0" err="1" smtClean="0">
-                <a:solidFill>
-                  <a:srgbClr val="FF6600"/>
-                </a:solidFill>
-              </a:rPr>
-              <a:t>germline</a:t>
-            </a:r>
-            <a:r>
-              <a:rPr lang="en-US" sz="1600" dirty="0" smtClean="0">
-                <a:solidFill>
-                  <a:srgbClr val="FF6600"/>
-                </a:solidFill>
-              </a:rPr>
-              <a:t> insertion per 95 births</a:t>
-            </a:r>
-          </a:p>
-          <a:p>
-            <a:pPr marL="285750" indent="-285750">
-              <a:buFont typeface="Arial"/>
-              <a:buChar char="•"/>
-            </a:pPr>
-            <a:r>
-              <a:rPr lang="en-US" sz="1600" dirty="0" smtClean="0">
-                <a:solidFill>
-                  <a:srgbClr val="FF6600"/>
-                </a:solidFill>
-              </a:rPr>
-              <a:t>ALUs ,SINEs</a:t>
-            </a:r>
           </a:p>
           <a:p>
             <a:pPr marL="285750" indent="-285750">
@@ -3659,8 +6004,8 @@
         </p:nvSpPr>
         <p:spPr>
           <a:xfrm>
-            <a:off x="5232793" y="5388972"/>
-            <a:ext cx="3121315" cy="1477328"/>
+            <a:off x="5232793" y="4287408"/>
+            <a:ext cx="3121315" cy="1754327"/>
           </a:xfrm>
           <a:prstGeom prst="rect">
             <a:avLst/>
@@ -3707,48 +6052,8 @@
                   <a:srgbClr val="008000"/>
                 </a:solidFill>
               </a:rPr>
-              <a:t>Encode for </a:t>
-            </a:r>
-            <a:r>
-              <a:rPr lang="en-US" dirty="0" err="1" smtClean="0">
-                <a:solidFill>
-                  <a:srgbClr val="008000"/>
-                </a:solidFill>
-              </a:rPr>
-              <a:t>Transposase</a:t>
-            </a:r>
-            <a:endParaRPr lang="en-US" dirty="0" smtClean="0">
-              <a:solidFill>
-                <a:srgbClr val="008000"/>
-              </a:solidFill>
-            </a:endParaRPr>
-          </a:p>
-          <a:p>
-            <a:pPr marL="285750" indent="-285750">
-              <a:buFont typeface="Arial"/>
-              <a:buChar char="•"/>
-            </a:pPr>
-            <a:r>
-              <a:rPr lang="en-US" dirty="0" smtClean="0">
-                <a:solidFill>
-                  <a:srgbClr val="008000"/>
-                </a:solidFill>
-              </a:rPr>
-              <a:t>Explain how it </a:t>
-            </a:r>
-            <a:r>
-              <a:rPr lang="en-US" dirty="0" err="1" smtClean="0">
-                <a:solidFill>
-                  <a:srgbClr val="008000"/>
-                </a:solidFill>
-              </a:rPr>
-              <a:t>propogates</a:t>
-            </a:r>
-            <a:endParaRPr lang="en-US" dirty="0">
-              <a:solidFill>
-                <a:srgbClr val="008000"/>
-              </a:solidFill>
-            </a:endParaRPr>
+              <a:t>Only 3% of Human genome, they are not active in humans </a:t>
+            </a:r>
           </a:p>
         </p:txBody>
       </p:sp>
@@ -3803,10 +6108,17 @@
   <p:clrMapOvr>
     <a:masterClrMapping/>
   </p:clrMapOvr>
+  <p:timing>
+    <p:tnLst>
+      <p:par>
+        <p:cTn xmlns:p14="http://schemas.microsoft.com/office/powerpoint/2010/main" id="1" dur="indefinite" restart="never" nodeType="tmRoot"/>
+      </p:par>
+    </p:tnLst>
+  </p:timing>
 </p:sld>
 </file>
 
-<file path=ppt/slides/slide5.xml><?xml version="1.0" encoding="utf-8"?>
+<file path=ppt/slides/slide6.xml><?xml version="1.0" encoding="utf-8"?>
 <p:sld xmlns:a="http://schemas.openxmlformats.org/drawingml/2006/main" xmlns:r="http://schemas.openxmlformats.org/officeDocument/2006/relationships" xmlns:p="http://schemas.openxmlformats.org/presentationml/2006/main">
   <p:cSld>
     <p:spTree>
@@ -3823,28 +6135,274 @@
           <a:chExt cx="0" cy="0"/>
         </a:xfrm>
       </p:grpSpPr>
-      <p:sp>
-        <p:nvSpPr>
-          <p:cNvPr id="2" name="Title 1"/>
-          <p:cNvSpPr>
-            <a:spLocks noGrp="1"/>
-          </p:cNvSpPr>
-          <p:nvPr>
-            <p:ph type="title"/>
-          </p:nvPr>
-        </p:nvSpPr>
-        <p:spPr/>
-        <p:txBody>
-          <a:bodyPr/>
-          <a:lstStyle/>
-          <a:p>
-            <a:endParaRPr lang="en-US"/>
-          </a:p>
-        </p:txBody>
-      </p:sp>
       <p:pic>
         <p:nvPicPr>
           <p:cNvPr id="4" name="Picture 3" descr="retrotransposons.png"/>
+          <p:cNvPicPr>
+            <a:picLocks noChangeAspect="1"/>
+          </p:cNvPicPr>
+          <p:nvPr/>
+        </p:nvPicPr>
+        <p:blipFill rotWithShape="1">
+          <a:blip r:embed="rId2">
+            <a:extLst>
+              <a:ext uri="{28A0092B-C50C-407E-A947-70E740481C1C}">
+                <a14:useLocalDpi xmlns:a14="http://schemas.microsoft.com/office/drawing/2010/main" val="0"/>
+              </a:ext>
+            </a:extLst>
+          </a:blip>
+          <a:srcRect t="35013"/>
+          <a:stretch/>
+        </p:blipFill>
+        <p:spPr>
+          <a:xfrm>
+            <a:off x="350096" y="3961493"/>
+            <a:ext cx="4485794" cy="2753909"/>
+          </a:xfrm>
+          <a:prstGeom prst="rect">
+            <a:avLst/>
+          </a:prstGeom>
+        </p:spPr>
+      </p:pic>
+      <p:pic>
+        <p:nvPicPr>
+          <p:cNvPr id="5" name="Picture 4" descr="TE_families.png"/>
+          <p:cNvPicPr>
+            <a:picLocks noChangeAspect="1"/>
+          </p:cNvPicPr>
+          <p:nvPr/>
+        </p:nvPicPr>
+        <p:blipFill>
+          <a:blip r:embed="rId3">
+            <a:extLst>
+              <a:ext uri="{28A0092B-C50C-407E-A947-70E740481C1C}">
+                <a14:useLocalDpi xmlns:a14="http://schemas.microsoft.com/office/drawing/2010/main" val="0"/>
+              </a:ext>
+            </a:extLst>
+          </a:blip>
+          <a:stretch>
+            <a:fillRect/>
+          </a:stretch>
+        </p:blipFill>
+        <p:spPr>
+          <a:xfrm>
+            <a:off x="350096" y="499668"/>
+            <a:ext cx="5679400" cy="3461825"/>
+          </a:xfrm>
+          <a:prstGeom prst="rect">
+            <a:avLst/>
+          </a:prstGeom>
+        </p:spPr>
+      </p:pic>
+      <p:sp>
+        <p:nvSpPr>
+          <p:cNvPr id="6" name="TextBox 5"/>
+          <p:cNvSpPr txBox="1"/>
+          <p:nvPr/>
+        </p:nvSpPr>
+        <p:spPr>
+          <a:xfrm>
+            <a:off x="6273232" y="545567"/>
+            <a:ext cx="2662298" cy="369332"/>
+          </a:xfrm>
+          <a:prstGeom prst="rect">
+            <a:avLst/>
+          </a:prstGeom>
+          <a:noFill/>
+        </p:spPr>
+        <p:txBody>
+          <a:bodyPr wrap="square" rtlCol="0">
+            <a:spAutoFit/>
+          </a:bodyPr>
+          <a:lstStyle/>
+          <a:p>
+            <a:r>
+              <a:rPr lang="en-US" b="1" dirty="0" smtClean="0">
+                <a:solidFill>
+                  <a:srgbClr val="FF0000"/>
+                </a:solidFill>
+              </a:rPr>
+              <a:t>The structure of TEs</a:t>
+            </a:r>
+            <a:endParaRPr lang="en-US" b="1" dirty="0">
+              <a:solidFill>
+                <a:srgbClr val="FF0000"/>
+              </a:solidFill>
+            </a:endParaRPr>
+          </a:p>
+        </p:txBody>
+      </p:sp>
+      <p:sp>
+        <p:nvSpPr>
+          <p:cNvPr id="7" name="Rectangle 6"/>
+          <p:cNvSpPr/>
+          <p:nvPr/>
+        </p:nvSpPr>
+        <p:spPr>
+          <a:xfrm>
+            <a:off x="4835890" y="6101428"/>
+            <a:ext cx="2906034" cy="400110"/>
+          </a:xfrm>
+          <a:prstGeom prst="rect">
+            <a:avLst/>
+          </a:prstGeom>
+        </p:spPr>
+        <p:txBody>
+          <a:bodyPr wrap="square">
+            <a:spAutoFit/>
+          </a:bodyPr>
+          <a:lstStyle/>
+          <a:p>
+            <a:r>
+              <a:rPr lang="en-US" sz="1000" dirty="0" smtClean="0"/>
+              <a:t>https://</a:t>
+            </a:r>
+            <a:r>
+              <a:rPr lang="en-US" sz="1000" dirty="0" err="1" smtClean="0"/>
+              <a:t>www.nature.com</a:t>
+            </a:r>
+            <a:r>
+              <a:rPr lang="en-US" sz="1000" dirty="0" smtClean="0"/>
+              <a:t>/</a:t>
+            </a:r>
+            <a:r>
+              <a:rPr lang="en-US" sz="1000" dirty="0" err="1" smtClean="0"/>
+              <a:t>scitable</a:t>
+            </a:r>
+            <a:r>
+              <a:rPr lang="en-US" sz="1000" dirty="0" smtClean="0"/>
+              <a:t>/</a:t>
+            </a:r>
+            <a:r>
+              <a:rPr lang="en-US" sz="1000" dirty="0" err="1" smtClean="0"/>
+              <a:t>topicpage</a:t>
+            </a:r>
+            <a:r>
+              <a:rPr lang="en-US" sz="1000" dirty="0" smtClean="0"/>
+              <a:t>/transposons-the-jumping-genes-518</a:t>
+            </a:r>
+            <a:endParaRPr lang="en-US" sz="1000" dirty="0"/>
+          </a:p>
+        </p:txBody>
+      </p:sp>
+      <p:sp>
+        <p:nvSpPr>
+          <p:cNvPr id="8" name="Rectangle 7"/>
+          <p:cNvSpPr/>
+          <p:nvPr/>
+        </p:nvSpPr>
+        <p:spPr>
+          <a:xfrm>
+            <a:off x="4835890" y="6501538"/>
+            <a:ext cx="4572000" cy="246221"/>
+          </a:xfrm>
+          <a:prstGeom prst="rect">
+            <a:avLst/>
+          </a:prstGeom>
+        </p:spPr>
+        <p:txBody>
+          <a:bodyPr>
+            <a:spAutoFit/>
+          </a:bodyPr>
+          <a:lstStyle/>
+          <a:p>
+            <a:r>
+              <a:rPr lang="en-US" sz="1000" dirty="0" smtClean="0"/>
+              <a:t>https://</a:t>
+            </a:r>
+            <a:r>
+              <a:rPr lang="en-US" sz="1000" dirty="0" err="1" smtClean="0"/>
+              <a:t>www.nature.com</a:t>
+            </a:r>
+            <a:r>
+              <a:rPr lang="en-US" sz="1000" dirty="0" smtClean="0"/>
+              <a:t>/</a:t>
+            </a:r>
+            <a:r>
+              <a:rPr lang="en-US" sz="1000" dirty="0" err="1" smtClean="0"/>
+              <a:t>scitable</a:t>
+            </a:r>
+            <a:r>
+              <a:rPr lang="en-US" sz="1000" dirty="0" smtClean="0"/>
+              <a:t>/</a:t>
+            </a:r>
+            <a:r>
+              <a:rPr lang="en-US" sz="1000" dirty="0" err="1" smtClean="0"/>
+              <a:t>topicpage</a:t>
+            </a:r>
+            <a:r>
+              <a:rPr lang="en-US" sz="1000" dirty="0" smtClean="0"/>
+              <a:t>/transposons-the-jumping-genes-518</a:t>
+            </a:r>
+            <a:endParaRPr lang="en-US" sz="1000" dirty="0"/>
+          </a:p>
+        </p:txBody>
+      </p:sp>
+    </p:spTree>
+    <p:extLst>
+      <p:ext uri="{BB962C8B-B14F-4D97-AF65-F5344CB8AC3E}">
+        <p14:creationId xmlns:p14="http://schemas.microsoft.com/office/powerpoint/2010/main" val="3304222492"/>
+      </p:ext>
+    </p:extLst>
+  </p:cSld>
+  <p:clrMapOvr>
+    <a:masterClrMapping/>
+  </p:clrMapOvr>
+  <p:timing>
+    <p:tnLst>
+      <p:par>
+        <p:cTn xmlns:p14="http://schemas.microsoft.com/office/powerpoint/2010/main" id="1" dur="indefinite" restart="never" nodeType="tmRoot"/>
+      </p:par>
+    </p:tnLst>
+  </p:timing>
+</p:sld>
+</file>
+
+<file path=ppt/slides/slide7.xml><?xml version="1.0" encoding="utf-8"?>
+<p:sld xmlns:a="http://schemas.openxmlformats.org/drawingml/2006/main" xmlns:r="http://schemas.openxmlformats.org/officeDocument/2006/relationships" xmlns:p="http://schemas.openxmlformats.org/presentationml/2006/main">
+  <p:cSld>
+    <p:spTree>
+      <p:nvGrpSpPr>
+        <p:cNvPr id="1" name=""/>
+        <p:cNvGrpSpPr/>
+        <p:nvPr/>
+      </p:nvGrpSpPr>
+      <p:grpSpPr>
+        <a:xfrm>
+          <a:off x="0" y="0"/>
+          <a:ext cx="0" cy="0"/>
+          <a:chOff x="0" y="0"/>
+          <a:chExt cx="0" cy="0"/>
+        </a:xfrm>
+      </p:grpSpPr>
+      <p:sp>
+        <p:nvSpPr>
+          <p:cNvPr id="2" name="Title 1"/>
+          <p:cNvSpPr>
+            <a:spLocks noGrp="1"/>
+          </p:cNvSpPr>
+          <p:nvPr>
+            <p:ph type="title"/>
+          </p:nvPr>
+        </p:nvSpPr>
+        <p:spPr/>
+        <p:txBody>
+          <a:bodyPr>
+            <a:normAutofit/>
+          </a:bodyPr>
+          <a:lstStyle/>
+          <a:p>
+            <a:r>
+              <a:rPr lang="en-US" sz="3200" dirty="0" smtClean="0"/>
+              <a:t>Computational tools to analyze TEs</a:t>
+            </a:r>
+            <a:endParaRPr lang="en-US" sz="3200" dirty="0"/>
+          </a:p>
+        </p:txBody>
+      </p:sp>
+      <p:pic>
+        <p:nvPicPr>
+          <p:cNvPr id="4" name="Picture 3" descr="TE_pipeline_fig1.png"/>
           <p:cNvPicPr>
             <a:picLocks noChangeAspect="1"/>
           </p:cNvPicPr>
@@ -3864,24 +6422,523 @@
         </p:blipFill>
         <p:spPr>
           <a:xfrm>
-            <a:off x="627323" y="1417638"/>
-            <a:ext cx="5705175" cy="5389562"/>
+            <a:off x="457200" y="1595635"/>
+            <a:ext cx="4760293" cy="5048172"/>
           </a:xfrm>
           <a:prstGeom prst="rect">
             <a:avLst/>
           </a:prstGeom>
         </p:spPr>
       </p:pic>
+      <p:sp>
+        <p:nvSpPr>
+          <p:cNvPr id="5" name="Rectangle 4"/>
+          <p:cNvSpPr/>
+          <p:nvPr/>
+        </p:nvSpPr>
+        <p:spPr>
+          <a:xfrm>
+            <a:off x="5217493" y="1621019"/>
+            <a:ext cx="3926507" cy="5078314"/>
+          </a:xfrm>
+          <a:prstGeom prst="rect">
+            <a:avLst/>
+          </a:prstGeom>
+        </p:spPr>
+        <p:txBody>
+          <a:bodyPr wrap="square">
+            <a:spAutoFit/>
+          </a:bodyPr>
+          <a:lstStyle/>
+          <a:p>
+            <a:pPr marL="285750" indent="-285750">
+              <a:buFont typeface="Arial"/>
+              <a:buChar char="•"/>
+            </a:pPr>
+            <a:r>
+              <a:rPr lang="en-US" dirty="0" smtClean="0">
+                <a:solidFill>
+                  <a:srgbClr val="660066"/>
+                </a:solidFill>
+              </a:rPr>
+              <a:t> a. TE phylogeny can be established using TE classification software</a:t>
+            </a:r>
+          </a:p>
+          <a:p>
+            <a:pPr marL="285750" indent="-285750">
+              <a:buFont typeface="Arial"/>
+              <a:buChar char="•"/>
+            </a:pPr>
+            <a:r>
+              <a:rPr lang="en-US" dirty="0" smtClean="0">
+                <a:solidFill>
+                  <a:srgbClr val="660066"/>
+                </a:solidFill>
+              </a:rPr>
+              <a:t> b. TE discovery and annotation tools label TEs in assembled genomes either through sequence homology from TEs found in databases or de novo methods</a:t>
+            </a:r>
+          </a:p>
+          <a:p>
+            <a:pPr marL="285750" indent="-285750">
+              <a:buFont typeface="Arial"/>
+              <a:buChar char="•"/>
+            </a:pPr>
+            <a:r>
+              <a:rPr lang="en-US" dirty="0" smtClean="0">
+                <a:solidFill>
+                  <a:srgbClr val="660066"/>
+                </a:solidFill>
+              </a:rPr>
+              <a:t>c. Polymorphic TE detection tools identify novel insertions that are absent from the reference genome</a:t>
+            </a:r>
+          </a:p>
+          <a:p>
+            <a:pPr marL="285750" indent="-285750">
+              <a:buFont typeface="Arial"/>
+              <a:buChar char="•"/>
+            </a:pPr>
+            <a:r>
+              <a:rPr lang="en-US" dirty="0" smtClean="0">
+                <a:solidFill>
+                  <a:srgbClr val="660066"/>
+                </a:solidFill>
+              </a:rPr>
+              <a:t>d. TE characterization tools either provide information on novel TE insertions or assess the functional impact of genomic TEs through RNA sequencing (RNA-</a:t>
+            </a:r>
+            <a:r>
+              <a:rPr lang="en-US" dirty="0" err="1" smtClean="0">
+                <a:solidFill>
+                  <a:srgbClr val="660066"/>
+                </a:solidFill>
+              </a:rPr>
+              <a:t>seq</a:t>
+            </a:r>
+            <a:r>
+              <a:rPr lang="en-US" dirty="0" smtClean="0">
+                <a:solidFill>
+                  <a:srgbClr val="660066"/>
+                </a:solidFill>
+              </a:rPr>
+              <a:t>), </a:t>
+            </a:r>
+            <a:r>
+              <a:rPr lang="en-US" dirty="0" err="1" smtClean="0">
+                <a:solidFill>
+                  <a:srgbClr val="660066"/>
+                </a:solidFill>
+              </a:rPr>
+              <a:t>ChIP-seq</a:t>
+            </a:r>
+            <a:r>
+              <a:rPr lang="en-US" dirty="0" smtClean="0">
+                <a:solidFill>
+                  <a:srgbClr val="660066"/>
+                </a:solidFill>
+              </a:rPr>
+              <a:t>, methylation or DNA sequencing analysis.</a:t>
+            </a:r>
+          </a:p>
+          <a:p>
+            <a:endParaRPr lang="en-US" dirty="0">
+              <a:solidFill>
+                <a:srgbClr val="660066"/>
+              </a:solidFill>
+            </a:endParaRPr>
+          </a:p>
+        </p:txBody>
+      </p:sp>
     </p:spTree>
     <p:extLst>
       <p:ext uri="{BB962C8B-B14F-4D97-AF65-F5344CB8AC3E}">
-        <p14:creationId xmlns:p14="http://schemas.microsoft.com/office/powerpoint/2010/main" val="3304222492"/>
+        <p14:creationId xmlns:p14="http://schemas.microsoft.com/office/powerpoint/2010/main" val="3083202017"/>
       </p:ext>
     </p:extLst>
   </p:cSld>
   <p:clrMapOvr>
     <a:masterClrMapping/>
   </p:clrMapOvr>
+  <p:timing>
+    <p:tnLst>
+      <p:par>
+        <p:cTn xmlns:p14="http://schemas.microsoft.com/office/powerpoint/2010/main" id="1" dur="indefinite" restart="never" nodeType="tmRoot"/>
+      </p:par>
+    </p:tnLst>
+  </p:timing>
+</p:sld>
+</file>
+
+<file path=ppt/slides/slide8.xml><?xml version="1.0" encoding="utf-8"?>
+<p:sld xmlns:a="http://schemas.openxmlformats.org/drawingml/2006/main" xmlns:r="http://schemas.openxmlformats.org/officeDocument/2006/relationships" xmlns:p="http://schemas.openxmlformats.org/presentationml/2006/main">
+  <p:cSld>
+    <p:spTree>
+      <p:nvGrpSpPr>
+        <p:cNvPr id="1" name=""/>
+        <p:cNvGrpSpPr/>
+        <p:nvPr/>
+      </p:nvGrpSpPr>
+      <p:grpSpPr>
+        <a:xfrm>
+          <a:off x="0" y="0"/>
+          <a:ext cx="0" cy="0"/>
+          <a:chOff x="0" y="0"/>
+          <a:chExt cx="0" cy="0"/>
+        </a:xfrm>
+      </p:grpSpPr>
+      <p:sp>
+        <p:nvSpPr>
+          <p:cNvPr id="2" name="Title 1"/>
+          <p:cNvSpPr>
+            <a:spLocks noGrp="1"/>
+          </p:cNvSpPr>
+          <p:nvPr>
+            <p:ph type="title"/>
+          </p:nvPr>
+        </p:nvSpPr>
+        <p:spPr/>
+        <p:txBody>
+          <a:bodyPr>
+            <a:normAutofit/>
+          </a:bodyPr>
+          <a:lstStyle/>
+          <a:p>
+            <a:r>
+              <a:rPr lang="en-US" sz="3200" dirty="0" smtClean="0"/>
+              <a:t>TE repositories</a:t>
+            </a:r>
+            <a:endParaRPr lang="en-US" sz="3200" dirty="0"/>
+          </a:p>
+        </p:txBody>
+      </p:sp>
+      <p:pic>
+        <p:nvPicPr>
+          <p:cNvPr id="4" name="Picture 3" descr="TE_repositories.png"/>
+          <p:cNvPicPr>
+            <a:picLocks noChangeAspect="1"/>
+          </p:cNvPicPr>
+          <p:nvPr/>
+        </p:nvPicPr>
+        <p:blipFill>
+          <a:blip r:embed="rId3">
+            <a:extLst>
+              <a:ext uri="{28A0092B-C50C-407E-A947-70E740481C1C}">
+                <a14:useLocalDpi xmlns:a14="http://schemas.microsoft.com/office/drawing/2010/main" val="0"/>
+              </a:ext>
+            </a:extLst>
+          </a:blip>
+          <a:stretch>
+            <a:fillRect/>
+          </a:stretch>
+        </p:blipFill>
+        <p:spPr>
+          <a:xfrm>
+            <a:off x="168306" y="1417638"/>
+            <a:ext cx="6762850" cy="4773957"/>
+          </a:xfrm>
+          <a:prstGeom prst="rect">
+            <a:avLst/>
+          </a:prstGeom>
+        </p:spPr>
+      </p:pic>
+      <p:sp>
+        <p:nvSpPr>
+          <p:cNvPr id="5" name="TextBox 4"/>
+          <p:cNvSpPr txBox="1"/>
+          <p:nvPr/>
+        </p:nvSpPr>
+        <p:spPr>
+          <a:xfrm>
+            <a:off x="7191265" y="2646813"/>
+            <a:ext cx="1845631" cy="2523768"/>
+          </a:xfrm>
+          <a:prstGeom prst="rect">
+            <a:avLst/>
+          </a:prstGeom>
+          <a:noFill/>
+        </p:spPr>
+        <p:txBody>
+          <a:bodyPr wrap="square" rtlCol="0">
+            <a:spAutoFit/>
+          </a:bodyPr>
+          <a:lstStyle/>
+          <a:p>
+            <a:r>
+              <a:rPr lang="en-US" b="1" i="1" dirty="0" smtClean="0">
+                <a:solidFill>
+                  <a:srgbClr val="660066"/>
+                </a:solidFill>
+              </a:rPr>
+              <a:t>1.TE Centric Repos</a:t>
+            </a:r>
+          </a:p>
+          <a:p>
+            <a:endParaRPr lang="en-US" b="1" i="1" dirty="0" smtClean="0">
+              <a:solidFill>
+                <a:srgbClr val="660066"/>
+              </a:solidFill>
+            </a:endParaRPr>
+          </a:p>
+          <a:p>
+            <a:r>
+              <a:rPr lang="en-US" b="1" i="1" dirty="0" smtClean="0">
+                <a:solidFill>
+                  <a:srgbClr val="660066"/>
+                </a:solidFill>
+              </a:rPr>
+              <a:t>2. Genome Centric Repos</a:t>
+            </a:r>
+          </a:p>
+          <a:p>
+            <a:endParaRPr lang="en-US" b="1" i="1" dirty="0" smtClean="0">
+              <a:solidFill>
+                <a:srgbClr val="660066"/>
+              </a:solidFill>
+            </a:endParaRPr>
+          </a:p>
+          <a:p>
+            <a:r>
+              <a:rPr lang="en-US" b="1" i="1" dirty="0" smtClean="0">
+                <a:solidFill>
+                  <a:srgbClr val="660066"/>
+                </a:solidFill>
+              </a:rPr>
+              <a:t>3.Polymorphism Centric</a:t>
+            </a:r>
+          </a:p>
+          <a:p>
+            <a:endParaRPr lang="en-US" sz="1400" dirty="0"/>
+          </a:p>
+        </p:txBody>
+      </p:sp>
+    </p:spTree>
+    <p:extLst>
+      <p:ext uri="{BB962C8B-B14F-4D97-AF65-F5344CB8AC3E}">
+        <p14:creationId xmlns:p14="http://schemas.microsoft.com/office/powerpoint/2010/main" val="2788110025"/>
+      </p:ext>
+    </p:extLst>
+  </p:cSld>
+  <p:clrMapOvr>
+    <a:masterClrMapping/>
+  </p:clrMapOvr>
+  <p:timing>
+    <p:tnLst>
+      <p:par>
+        <p:cTn xmlns:p14="http://schemas.microsoft.com/office/powerpoint/2010/main" id="1" dur="indefinite" restart="never" nodeType="tmRoot"/>
+      </p:par>
+    </p:tnLst>
+  </p:timing>
+</p:sld>
+</file>
+
+<file path=ppt/slides/slide9.xml><?xml version="1.0" encoding="utf-8"?>
+<p:sld xmlns:a="http://schemas.openxmlformats.org/drawingml/2006/main" xmlns:r="http://schemas.openxmlformats.org/officeDocument/2006/relationships" xmlns:p="http://schemas.openxmlformats.org/presentationml/2006/main">
+  <p:cSld>
+    <p:spTree>
+      <p:nvGrpSpPr>
+        <p:cNvPr id="1" name=""/>
+        <p:cNvGrpSpPr/>
+        <p:nvPr/>
+      </p:nvGrpSpPr>
+      <p:grpSpPr>
+        <a:xfrm>
+          <a:off x="0" y="0"/>
+          <a:ext cx="0" cy="0"/>
+          <a:chOff x="0" y="0"/>
+          <a:chExt cx="0" cy="0"/>
+        </a:xfrm>
+      </p:grpSpPr>
+      <p:sp>
+        <p:nvSpPr>
+          <p:cNvPr id="2" name="Title 1"/>
+          <p:cNvSpPr>
+            <a:spLocks noGrp="1"/>
+          </p:cNvSpPr>
+          <p:nvPr>
+            <p:ph type="title"/>
+          </p:nvPr>
+        </p:nvSpPr>
+        <p:spPr/>
+        <p:txBody>
+          <a:bodyPr>
+            <a:normAutofit/>
+          </a:bodyPr>
+          <a:lstStyle/>
+          <a:p>
+            <a:r>
+              <a:rPr lang="en-US" sz="3200" dirty="0" smtClean="0">
+                <a:solidFill>
+                  <a:srgbClr val="660066"/>
+                </a:solidFill>
+              </a:rPr>
+              <a:t>Discovery and annotation of TEs within a genome</a:t>
+            </a:r>
+            <a:endParaRPr lang="en-US" sz="3200" dirty="0">
+              <a:solidFill>
+                <a:srgbClr val="660066"/>
+              </a:solidFill>
+            </a:endParaRPr>
+          </a:p>
+        </p:txBody>
+      </p:sp>
+      <p:pic>
+        <p:nvPicPr>
+          <p:cNvPr id="4" name="Picture 3" descr="discovery_and_annotation.png"/>
+          <p:cNvPicPr>
+            <a:picLocks noChangeAspect="1"/>
+          </p:cNvPicPr>
+          <p:nvPr/>
+        </p:nvPicPr>
+        <p:blipFill rotWithShape="1">
+          <a:blip r:embed="rId2">
+            <a:extLst>
+              <a:ext uri="{28A0092B-C50C-407E-A947-70E740481C1C}">
+                <a14:useLocalDpi xmlns:a14="http://schemas.microsoft.com/office/drawing/2010/main" val="0"/>
+              </a:ext>
+            </a:extLst>
+          </a:blip>
+          <a:srcRect t="7963"/>
+          <a:stretch/>
+        </p:blipFill>
+        <p:spPr>
+          <a:xfrm>
+            <a:off x="174648" y="1685654"/>
+            <a:ext cx="5226452" cy="5172346"/>
+          </a:xfrm>
+          <a:prstGeom prst="rect">
+            <a:avLst/>
+          </a:prstGeom>
+        </p:spPr>
+      </p:pic>
+      <p:sp>
+        <p:nvSpPr>
+          <p:cNvPr id="5" name="TextBox 4"/>
+          <p:cNvSpPr txBox="1"/>
+          <p:nvPr/>
+        </p:nvSpPr>
+        <p:spPr>
+          <a:xfrm>
+            <a:off x="5401101" y="1685654"/>
+            <a:ext cx="3285700" cy="1569660"/>
+          </a:xfrm>
+          <a:prstGeom prst="rect">
+            <a:avLst/>
+          </a:prstGeom>
+          <a:noFill/>
+        </p:spPr>
+        <p:txBody>
+          <a:bodyPr wrap="square" rtlCol="0">
+            <a:spAutoFit/>
+          </a:bodyPr>
+          <a:lstStyle/>
+          <a:p>
+            <a:r>
+              <a:rPr lang="en-US" sz="2400" dirty="0" smtClean="0"/>
+              <a:t>Can annotate using known TE repository annotations or </a:t>
+            </a:r>
+            <a:r>
+              <a:rPr lang="en-US" sz="2400" b="1" i="1" dirty="0" smtClean="0">
+                <a:solidFill>
+                  <a:srgbClr val="FF0000"/>
+                </a:solidFill>
+              </a:rPr>
+              <a:t>can also annotate De- Novo</a:t>
+            </a:r>
+          </a:p>
+        </p:txBody>
+      </p:sp>
+      <p:sp>
+        <p:nvSpPr>
+          <p:cNvPr id="6" name="TextBox 5"/>
+          <p:cNvSpPr txBox="1"/>
+          <p:nvPr/>
+        </p:nvSpPr>
+        <p:spPr>
+          <a:xfrm>
+            <a:off x="5401101" y="3285913"/>
+            <a:ext cx="3071493" cy="3693319"/>
+          </a:xfrm>
+          <a:prstGeom prst="rect">
+            <a:avLst/>
+          </a:prstGeom>
+          <a:noFill/>
+        </p:spPr>
+        <p:txBody>
+          <a:bodyPr wrap="square" rtlCol="0">
+            <a:spAutoFit/>
+          </a:bodyPr>
+          <a:lstStyle/>
+          <a:p>
+            <a:r>
+              <a:rPr lang="en-US" dirty="0" smtClean="0"/>
+              <a:t>De Novo annotations can discover new TE families not in the databases, but can have a higher false positive rate</a:t>
+            </a:r>
+          </a:p>
+          <a:p>
+            <a:endParaRPr lang="en-US" dirty="0"/>
+          </a:p>
+          <a:p>
+            <a:r>
+              <a:rPr lang="en-US" dirty="0" smtClean="0">
+                <a:solidFill>
+                  <a:srgbClr val="FF0000"/>
+                </a:solidFill>
+              </a:rPr>
+              <a:t>De Novo discovery methods Come in two kinds</a:t>
+            </a:r>
+          </a:p>
+          <a:p>
+            <a:pPr marL="285750" indent="-285750">
+              <a:buFont typeface="Arial"/>
+              <a:buChar char="•"/>
+            </a:pPr>
+            <a:r>
+              <a:rPr lang="en-US" dirty="0" smtClean="0">
+                <a:solidFill>
+                  <a:srgbClr val="660066"/>
+                </a:solidFill>
+              </a:rPr>
+              <a:t>1.)Need Assembled Genome</a:t>
+            </a:r>
+          </a:p>
+          <a:p>
+            <a:pPr marL="285750" indent="-285750">
+              <a:buFont typeface="Arial"/>
+              <a:buChar char="•"/>
+            </a:pPr>
+            <a:r>
+              <a:rPr lang="en-US" dirty="0" smtClean="0">
+                <a:solidFill>
+                  <a:srgbClr val="660066"/>
+                </a:solidFill>
+              </a:rPr>
+              <a:t>2.)Discover TEs from raw sequencing reads (no assembly needed)</a:t>
+            </a:r>
+          </a:p>
+          <a:p>
+            <a:endParaRPr lang="en-US" dirty="0">
+              <a:solidFill>
+                <a:srgbClr val="660066"/>
+              </a:solidFill>
+            </a:endParaRPr>
+          </a:p>
+        </p:txBody>
+      </p:sp>
+    </p:spTree>
+    <p:extLst>
+      <p:ext uri="{BB962C8B-B14F-4D97-AF65-F5344CB8AC3E}">
+        <p14:creationId xmlns:p14="http://schemas.microsoft.com/office/powerpoint/2010/main" val="2795526267"/>
+      </p:ext>
+    </p:extLst>
+  </p:cSld>
+  <p:clrMapOvr>
+    <a:masterClrMapping/>
+  </p:clrMapOvr>
+  <p:timing>
+    <p:tnLst>
+      <p:par>
+        <p:cTn xmlns:p14="http://schemas.microsoft.com/office/powerpoint/2010/main" id="1" dur="indefinite" restart="never" nodeType="tmRoot"/>
+      </p:par>
+    </p:tnLst>
+  </p:timing>
 </p:sld>
 </file>
 
@@ -4203,4 +7260,324 @@
   </a:objectDefaults>
   <a:extraClrSchemeLst/>
 </a:theme>
+</file>
+
+<file path=ppt/theme/theme2.xml><?xml version="1.0" encoding="utf-8"?>
+<a:theme xmlns:a="http://schemas.openxmlformats.org/drawingml/2006/main" name="Office Theme">
+  <a:themeElements>
+    <a:clrScheme name="Office">
+      <a:dk1>
+        <a:sysClr val="windowText" lastClr="000000"/>
+      </a:dk1>
+      <a:lt1>
+        <a:sysClr val="window" lastClr="FFFFFF"/>
+      </a:lt1>
+      <a:dk2>
+        <a:srgbClr val="1F497D"/>
+      </a:dk2>
+      <a:lt2>
+        <a:srgbClr val="EEECE1"/>
+      </a:lt2>
+      <a:accent1>
+        <a:srgbClr val="4F81BD"/>
+      </a:accent1>
+      <a:accent2>
+        <a:srgbClr val="C0504D"/>
+      </a:accent2>
+      <a:accent3>
+        <a:srgbClr val="9BBB59"/>
+      </a:accent3>
+      <a:accent4>
+        <a:srgbClr val="8064A2"/>
+      </a:accent4>
+      <a:accent5>
+        <a:srgbClr val="4BACC6"/>
+      </a:accent5>
+      <a:accent6>
+        <a:srgbClr val="F79646"/>
+      </a:accent6>
+      <a:hlink>
+        <a:srgbClr val="0000FF"/>
+      </a:hlink>
+      <a:folHlink>
+        <a:srgbClr val="800080"/>
+      </a:folHlink>
+    </a:clrScheme>
+    <a:fontScheme name="Office">
+      <a:majorFont>
+        <a:latin typeface="Calibri"/>
+        <a:ea typeface=""/>
+        <a:cs typeface=""/>
+        <a:font script="Jpan" typeface="ＭＳ Ｐゴシック"/>
+        <a:font script="Hang" typeface="맑은 고딕"/>
+        <a:font script="Hans" typeface="宋体"/>
+        <a:font script="Hant" typeface="新細明體"/>
+        <a:font script="Arab" typeface="Times New Roman"/>
+        <a:font script="Hebr" typeface="Times New Roman"/>
+        <a:font script="Thai" typeface="Angsana New"/>
+        <a:font script="Ethi" typeface="Nyala"/>
+        <a:font script="Beng" typeface="Vrinda"/>
+        <a:font script="Gujr" typeface="Shruti"/>
+        <a:font script="Khmr" typeface="MoolBoran"/>
+        <a:font script="Knda" typeface="Tunga"/>
+        <a:font script="Guru" typeface="Raavi"/>
+        <a:font script="Cans" typeface="Euphemia"/>
+        <a:font script="Cher" typeface="Plantagenet Cherokee"/>
+        <a:font script="Yiii" typeface="Microsoft Yi Baiti"/>
+        <a:font script="Tibt" typeface="Microsoft Himalaya"/>
+        <a:font script="Thaa" typeface="MV Boli"/>
+        <a:font script="Deva" typeface="Mangal"/>
+        <a:font script="Telu" typeface="Gautami"/>
+        <a:font script="Taml" typeface="Latha"/>
+        <a:font script="Syrc" typeface="Estrangelo Edessa"/>
+        <a:font script="Orya" typeface="Kalinga"/>
+        <a:font script="Mlym" typeface="Kartika"/>
+        <a:font script="Laoo" typeface="DokChampa"/>
+        <a:font script="Sinh" typeface="Iskoola Pota"/>
+        <a:font script="Mong" typeface="Mongolian Baiti"/>
+        <a:font script="Viet" typeface="Times New Roman"/>
+        <a:font script="Uigh" typeface="Microsoft Uighur"/>
+        <a:font script="Geor" typeface="Sylfaen"/>
+      </a:majorFont>
+      <a:minorFont>
+        <a:latin typeface="Calibri"/>
+        <a:ea typeface=""/>
+        <a:cs typeface=""/>
+        <a:font script="Jpan" typeface="ＭＳ Ｐゴシック"/>
+        <a:font script="Hang" typeface="맑은 고딕"/>
+        <a:font script="Hans" typeface="宋体"/>
+        <a:font script="Hant" typeface="新細明體"/>
+        <a:font script="Arab" typeface="Arial"/>
+        <a:font script="Hebr" typeface="Arial"/>
+        <a:font script="Thai" typeface="Cordia New"/>
+        <a:font script="Ethi" typeface="Nyala"/>
+        <a:font script="Beng" typeface="Vrinda"/>
+        <a:font script="Gujr" typeface="Shruti"/>
+        <a:font script="Khmr" typeface="DaunPenh"/>
+        <a:font script="Knda" typeface="Tunga"/>
+        <a:font script="Guru" typeface="Raavi"/>
+        <a:font script="Cans" typeface="Euphemia"/>
+        <a:font script="Cher" typeface="Plantagenet Cherokee"/>
+        <a:font script="Yiii" typeface="Microsoft Yi Baiti"/>
+        <a:font script="Tibt" typeface="Microsoft Himalaya"/>
+        <a:font script="Thaa" typeface="MV Boli"/>
+        <a:font script="Deva" typeface="Mangal"/>
+        <a:font script="Telu" typeface="Gautami"/>
+        <a:font script="Taml" typeface="Latha"/>
+        <a:font script="Syrc" typeface="Estrangelo Edessa"/>
+        <a:font script="Orya" typeface="Kalinga"/>
+        <a:font script="Mlym" typeface="Kartika"/>
+        <a:font script="Laoo" typeface="DokChampa"/>
+        <a:font script="Sinh" typeface="Iskoola Pota"/>
+        <a:font script="Mong" typeface="Mongolian Baiti"/>
+        <a:font script="Viet" typeface="Arial"/>
+        <a:font script="Uigh" typeface="Microsoft Uighur"/>
+        <a:font script="Geor" typeface="Sylfaen"/>
+      </a:minorFont>
+    </a:fontScheme>
+    <a:fmtScheme name="Office">
+      <a:fillStyleLst>
+        <a:solidFill>
+          <a:schemeClr val="phClr"/>
+        </a:solidFill>
+        <a:gradFill rotWithShape="1">
+          <a:gsLst>
+            <a:gs pos="0">
+              <a:schemeClr val="phClr">
+                <a:tint val="50000"/>
+                <a:satMod val="300000"/>
+              </a:schemeClr>
+            </a:gs>
+            <a:gs pos="35000">
+              <a:schemeClr val="phClr">
+                <a:tint val="37000"/>
+                <a:satMod val="300000"/>
+              </a:schemeClr>
+            </a:gs>
+            <a:gs pos="100000">
+              <a:schemeClr val="phClr">
+                <a:tint val="15000"/>
+                <a:satMod val="350000"/>
+              </a:schemeClr>
+            </a:gs>
+          </a:gsLst>
+          <a:lin ang="16200000" scaled="1"/>
+        </a:gradFill>
+        <a:gradFill rotWithShape="1">
+          <a:gsLst>
+            <a:gs pos="0">
+              <a:schemeClr val="phClr">
+                <a:tint val="100000"/>
+                <a:shade val="100000"/>
+                <a:satMod val="130000"/>
+              </a:schemeClr>
+            </a:gs>
+            <a:gs pos="100000">
+              <a:schemeClr val="phClr">
+                <a:tint val="50000"/>
+                <a:shade val="100000"/>
+                <a:satMod val="350000"/>
+              </a:schemeClr>
+            </a:gs>
+          </a:gsLst>
+          <a:lin ang="16200000" scaled="0"/>
+        </a:gradFill>
+      </a:fillStyleLst>
+      <a:lnStyleLst>
+        <a:ln w="9525" cap="flat" cmpd="sng" algn="ctr">
+          <a:solidFill>
+            <a:schemeClr val="phClr">
+              <a:shade val="95000"/>
+              <a:satMod val="105000"/>
+            </a:schemeClr>
+          </a:solidFill>
+          <a:prstDash val="solid"/>
+        </a:ln>
+        <a:ln w="25400" cap="flat" cmpd="sng" algn="ctr">
+          <a:solidFill>
+            <a:schemeClr val="phClr"/>
+          </a:solidFill>
+          <a:prstDash val="solid"/>
+        </a:ln>
+        <a:ln w="38100" cap="flat" cmpd="sng" algn="ctr">
+          <a:solidFill>
+            <a:schemeClr val="phClr"/>
+          </a:solidFill>
+          <a:prstDash val="solid"/>
+        </a:ln>
+      </a:lnStyleLst>
+      <a:effectStyleLst>
+        <a:effectStyle>
+          <a:effectLst>
+            <a:outerShdw blurRad="40000" dist="20000" dir="5400000" rotWithShape="0">
+              <a:srgbClr val="000000">
+                <a:alpha val="38000"/>
+              </a:srgbClr>
+            </a:outerShdw>
+          </a:effectLst>
+        </a:effectStyle>
+        <a:effectStyle>
+          <a:effectLst>
+            <a:outerShdw blurRad="40000" dist="23000" dir="5400000" rotWithShape="0">
+              <a:srgbClr val="000000">
+                <a:alpha val="35000"/>
+              </a:srgbClr>
+            </a:outerShdw>
+          </a:effectLst>
+        </a:effectStyle>
+        <a:effectStyle>
+          <a:effectLst>
+            <a:outerShdw blurRad="40000" dist="23000" dir="5400000" rotWithShape="0">
+              <a:srgbClr val="000000">
+                <a:alpha val="35000"/>
+              </a:srgbClr>
+            </a:outerShdw>
+          </a:effectLst>
+          <a:scene3d>
+            <a:camera prst="orthographicFront">
+              <a:rot lat="0" lon="0" rev="0"/>
+            </a:camera>
+            <a:lightRig rig="threePt" dir="t">
+              <a:rot lat="0" lon="0" rev="1200000"/>
+            </a:lightRig>
+          </a:scene3d>
+          <a:sp3d>
+            <a:bevelT w="63500" h="25400"/>
+          </a:sp3d>
+        </a:effectStyle>
+      </a:effectStyleLst>
+      <a:bgFillStyleLst>
+        <a:solidFill>
+          <a:schemeClr val="phClr"/>
+        </a:solidFill>
+        <a:gradFill rotWithShape="1">
+          <a:gsLst>
+            <a:gs pos="0">
+              <a:schemeClr val="phClr">
+                <a:tint val="40000"/>
+                <a:satMod val="350000"/>
+              </a:schemeClr>
+            </a:gs>
+            <a:gs pos="40000">
+              <a:schemeClr val="phClr">
+                <a:tint val="45000"/>
+                <a:shade val="99000"/>
+                <a:satMod val="350000"/>
+              </a:schemeClr>
+            </a:gs>
+            <a:gs pos="100000">
+              <a:schemeClr val="phClr">
+                <a:shade val="20000"/>
+                <a:satMod val="255000"/>
+              </a:schemeClr>
+            </a:gs>
+          </a:gsLst>
+          <a:path path="circle">
+            <a:fillToRect l="50000" t="-80000" r="50000" b="180000"/>
+          </a:path>
+        </a:gradFill>
+        <a:gradFill rotWithShape="1">
+          <a:gsLst>
+            <a:gs pos="0">
+              <a:schemeClr val="phClr">
+                <a:tint val="80000"/>
+                <a:satMod val="300000"/>
+              </a:schemeClr>
+            </a:gs>
+            <a:gs pos="100000">
+              <a:schemeClr val="phClr">
+                <a:shade val="30000"/>
+                <a:satMod val="200000"/>
+              </a:schemeClr>
+            </a:gs>
+          </a:gsLst>
+          <a:path path="circle">
+            <a:fillToRect l="50000" t="50000" r="50000" b="50000"/>
+          </a:path>
+        </a:gradFill>
+      </a:bgFillStyleLst>
+    </a:fmtScheme>
+  </a:themeElements>
+  <a:objectDefaults>
+    <a:spDef>
+      <a:spPr/>
+      <a:bodyPr/>
+      <a:lstStyle/>
+      <a:style>
+        <a:lnRef idx="1">
+          <a:schemeClr val="accent1"/>
+        </a:lnRef>
+        <a:fillRef idx="3">
+          <a:schemeClr val="accent1"/>
+        </a:fillRef>
+        <a:effectRef idx="2">
+          <a:schemeClr val="accent1"/>
+        </a:effectRef>
+        <a:fontRef idx="minor">
+          <a:schemeClr val="lt1"/>
+        </a:fontRef>
+      </a:style>
+    </a:spDef>
+    <a:lnDef>
+      <a:spPr/>
+      <a:bodyPr/>
+      <a:lstStyle/>
+      <a:style>
+        <a:lnRef idx="2">
+          <a:schemeClr val="accent1"/>
+        </a:lnRef>
+        <a:fillRef idx="0">
+          <a:schemeClr val="accent1"/>
+        </a:fillRef>
+        <a:effectRef idx="1">
+          <a:schemeClr val="accent1"/>
+        </a:effectRef>
+        <a:fontRef idx="minor">
+          <a:schemeClr val="tx1"/>
+        </a:fontRef>
+      </a:style>
+    </a:lnDef>
+  </a:objectDefaults>
+  <a:extraClrSchemeLst/>
+</a:theme>
 </file>